--- a/Whiteboard design session/WDS trainer presentation - Cloud-native applications.pptx
+++ b/Whiteboard design session/WDS trainer presentation - Cloud-native applications.pptx
@@ -223,7 +223,7 @@
           <a:p>
             <a:fld id="{52A13B17-C506-4D51-BB37-16B365906619}" type="datetimeFigureOut">
               <a:rPr lang="en-US" smtClean="0"/>
-              <a:t>11/15/20</a:t>
+              <a:t>9/1/2021</a:t>
             </a:fld>
             <a:endParaRPr lang="en-US" dirty="0"/>
           </a:p>
@@ -1976,31 +1976,7 @@
                 <a:ea typeface="+mn-ea"/>
                 <a:cs typeface="+mn-cs"/>
               </a:rPr>
-              <a:t>The Kubernetes management dashboard which </a:t>
-            </a:r>
-            <a:r>
-              <a:rPr lang="en-US" sz="1200" kern="1200">
-                <a:solidFill>
-                  <a:schemeClr val="tx1"/>
-                </a:solidFill>
-                <a:effectLst/>
-                <a:latin typeface="+mn-lt"/>
-                <a:ea typeface="+mn-ea"/>
-                <a:cs typeface="+mn-cs"/>
-              </a:rPr>
-              <a:t>includes the web </a:t>
-            </a:r>
-            <a:r>
-              <a:rPr lang="en-US" sz="1200" kern="1200" dirty="0">
-                <a:solidFill>
-                  <a:schemeClr val="tx1"/>
-                </a:solidFill>
-                <a:effectLst/>
-                <a:latin typeface="+mn-lt"/>
-                <a:ea typeface="+mn-ea"/>
-                <a:cs typeface="+mn-cs"/>
-              </a:rPr>
-              <a:t>interface and remote APIs for managing, running, and scaling containers, including CICD integration options.</a:t>
+              <a:t>The Kubernetes management dashboard which includes the web interface and remote APIs for managing, running, and scaling containers, including CICD integration options.</a:t>
             </a:r>
           </a:p>
           <a:p>
@@ -2262,7 +2238,7 @@
                   <a:prstClr val="black"/>
                 </a:solidFill>
               </a:rPr>
-              <a:t>11/15/20 5:29 PM</a:t>
+              <a:t>9/1/2021 3:27 PM</a:t>
             </a:fld>
             <a:endParaRPr lang="en-US" dirty="0">
               <a:solidFill>
@@ -15045,7 +15021,168 @@
           <a:bodyPr/>
           <a:lstStyle/>
           <a:p>
-            <a:endParaRPr lang="en-US" dirty="0"/>
+            <a:r>
+              <a:rPr lang="hu-HU" sz="2400" dirty="0"/>
+              <a:t>Ákos Szegő</a:t>
+            </a:r>
+          </a:p>
+          <a:p>
+            <a:pPr marL="0" marR="0" lvl="0" indent="0" algn="l" defTabSz="914367" rtl="0" eaLnBrk="1" fontAlgn="auto" latinLnBrk="0" hangingPunct="1">
+              <a:lnSpc>
+                <a:spcPct val="90000"/>
+              </a:lnSpc>
+              <a:spcBef>
+                <a:spcPts val="0"/>
+              </a:spcBef>
+              <a:spcAft>
+                <a:spcPts val="0"/>
+              </a:spcAft>
+              <a:buClrTx/>
+              <a:buSzPct val="90000"/>
+              <a:buFont typeface="Arial" pitchFamily="34" charset="0"/>
+              <a:buNone/>
+              <a:tabLst/>
+              <a:defRPr/>
+            </a:pPr>
+            <a:r>
+              <a:rPr kumimoji="0" lang="hu-HU" sz="1600" b="0" i="0" u="none" strike="noStrike" kern="1200" cap="none" spc="0" normalizeH="0" baseline="0" noProof="0" dirty="0">
+                <a:ln>
+                  <a:noFill/>
+                </a:ln>
+                <a:gradFill>
+                  <a:gsLst>
+                    <a:gs pos="91000">
+                      <a:srgbClr val="FFFFFF"/>
+                    </a:gs>
+                    <a:gs pos="0">
+                      <a:srgbClr val="FFFFFF"/>
+                    </a:gs>
+                  </a:gsLst>
+                  <a:lin ang="5400000" scaled="0"/>
+                </a:gradFill>
+                <a:effectLst/>
+                <a:uLnTx/>
+                <a:uFillTx/>
+                <a:latin typeface="Segoe UI Light"/>
+                <a:ea typeface="+mn-ea"/>
+                <a:cs typeface="+mn-cs"/>
+              </a:rPr>
+              <a:t>SR. Customer </a:t>
+            </a:r>
+            <a:r>
+              <a:rPr kumimoji="0" lang="hu-HU" sz="1600" b="0" i="0" u="none" strike="noStrike" kern="1200" cap="none" spc="0" normalizeH="0" baseline="0" noProof="0" dirty="0" err="1">
+                <a:ln>
+                  <a:noFill/>
+                </a:ln>
+                <a:gradFill>
+                  <a:gsLst>
+                    <a:gs pos="91000">
+                      <a:srgbClr val="FFFFFF"/>
+                    </a:gs>
+                    <a:gs pos="0">
+                      <a:srgbClr val="FFFFFF"/>
+                    </a:gs>
+                  </a:gsLst>
+                  <a:lin ang="5400000" scaled="0"/>
+                </a:gradFill>
+                <a:effectLst/>
+                <a:uLnTx/>
+                <a:uFillTx/>
+                <a:latin typeface="Segoe UI Light"/>
+                <a:ea typeface="+mn-ea"/>
+                <a:cs typeface="+mn-cs"/>
+              </a:rPr>
+              <a:t>Engineer</a:t>
+            </a:r>
+            <a:endParaRPr kumimoji="0" lang="en-US" sz="1600" b="0" i="0" u="none" strike="noStrike" kern="1200" cap="none" spc="0" normalizeH="0" baseline="0" noProof="0" dirty="0">
+              <a:ln>
+                <a:noFill/>
+              </a:ln>
+              <a:gradFill>
+                <a:gsLst>
+                  <a:gs pos="91000">
+                    <a:srgbClr val="FFFFFF"/>
+                  </a:gs>
+                  <a:gs pos="0">
+                    <a:srgbClr val="FFFFFF"/>
+                  </a:gs>
+                </a:gsLst>
+                <a:lin ang="5400000" scaled="0"/>
+              </a:gradFill>
+              <a:effectLst/>
+              <a:uLnTx/>
+              <a:uFillTx/>
+              <a:latin typeface="Segoe UI Light"/>
+              <a:ea typeface="+mn-ea"/>
+              <a:cs typeface="+mn-cs"/>
+            </a:endParaRPr>
+          </a:p>
+          <a:p>
+            <a:pPr>
+              <a:defRPr/>
+            </a:pPr>
+            <a:r>
+              <a:rPr lang="hu-HU" sz="1600" dirty="0" err="1">
+                <a:gradFill>
+                  <a:gsLst>
+                    <a:gs pos="91000">
+                      <a:srgbClr val="FFFFFF"/>
+                    </a:gs>
+                    <a:gs pos="0">
+                      <a:srgbClr val="FFFFFF"/>
+                    </a:gs>
+                  </a:gsLst>
+                  <a:lin ang="5400000" scaled="0"/>
+                </a:gradFill>
+                <a:latin typeface="Segoe UI Light"/>
+                <a:hlinkClick r:id="rId3">
+                  <a:extLst>
+                    <a:ext uri="{A12FA001-AC4F-418D-AE19-62706E023703}">
+                      <ahyp:hlinkClr xmlns:ahyp="http://schemas.microsoft.com/office/drawing/2018/hyperlinkcolor" val="tx"/>
+                    </a:ext>
+                  </a:extLst>
+                </a:hlinkClick>
+              </a:rPr>
+              <a:t>akos.szego</a:t>
+            </a:r>
+            <a:r>
+              <a:rPr lang="en-US" sz="1600" dirty="0">
+                <a:gradFill>
+                  <a:gsLst>
+                    <a:gs pos="91000">
+                      <a:srgbClr val="FFFFFF"/>
+                    </a:gs>
+                    <a:gs pos="0">
+                      <a:srgbClr val="FFFFFF"/>
+                    </a:gs>
+                  </a:gsLst>
+                  <a:lin ang="5400000" scaled="0"/>
+                </a:gradFill>
+                <a:latin typeface="Segoe UI Light"/>
+                <a:hlinkClick r:id="rId3">
+                  <a:extLst>
+                    <a:ext uri="{A12FA001-AC4F-418D-AE19-62706E023703}">
+                      <ahyp:hlinkClr xmlns:ahyp="http://schemas.microsoft.com/office/drawing/2018/hyperlinkcolor" val="tx"/>
+                    </a:ext>
+                  </a:extLst>
+                </a:hlinkClick>
+              </a:rPr>
+              <a:t>@microsoft.com</a:t>
+            </a:r>
+            <a:endParaRPr lang="hu-HU" sz="1600" dirty="0">
+              <a:gradFill>
+                <a:gsLst>
+                  <a:gs pos="91000">
+                    <a:srgbClr val="FFFFFF"/>
+                  </a:gs>
+                  <a:gs pos="0">
+                    <a:srgbClr val="FFFFFF"/>
+                  </a:gs>
+                </a:gsLst>
+                <a:lin ang="5400000" scaled="0"/>
+              </a:gradFill>
+              <a:latin typeface="Segoe UI Light"/>
+            </a:endParaRPr>
           </a:p>
         </p:txBody>
       </p:sp>
@@ -15123,7 +15260,6 @@
                 <a:solidFill>
                   <a:schemeClr val="tx1"/>
                 </a:solidFill>
-                <a:latin typeface="+mj-lt"/>
               </a:rPr>
               <a:t>Simplify new tenant deployment</a:t>
             </a:r>
@@ -15139,7 +15275,6 @@
                 <a:solidFill>
                   <a:schemeClr val="tx1"/>
                 </a:solidFill>
-                <a:latin typeface="+mj-lt"/>
               </a:rPr>
               <a:t>Improve reliability of tenant updates</a:t>
             </a:r>
@@ -15155,7 +15290,6 @@
                 <a:solidFill>
                   <a:schemeClr val="tx1"/>
                 </a:solidFill>
-                <a:latin typeface="+mj-lt"/>
               </a:rPr>
               <a:t>Choose a suitable Docker container strategy on Azure</a:t>
             </a:r>
@@ -15171,7 +15305,6 @@
                 <a:solidFill>
                   <a:schemeClr val="tx1"/>
                 </a:solidFill>
-                <a:latin typeface="+mj-lt"/>
               </a:rPr>
               <a:t>Migrate MongoDB data to Cosmos DB without application changes</a:t>
             </a:r>
@@ -15187,7 +15320,6 @@
                 <a:solidFill>
                   <a:schemeClr val="tx1"/>
                 </a:solidFill>
-                <a:latin typeface="+mj-lt"/>
               </a:rPr>
               <a:t>Migrate relational data from PostgreSQL on-premises databases to Microsoft Azure</a:t>
             </a:r>
@@ -15322,6 +15454,463 @@
       <p:transition/>
     </mc:Fallback>
   </mc:AlternateContent>
+  <p:timing>
+    <p:tnLst>
+      <p:par>
+        <p:cTn id="1" dur="indefinite" restart="never" nodeType="tmRoot">
+          <p:childTnLst>
+            <p:seq concurrent="1" nextAc="seek">
+              <p:cTn id="2" dur="indefinite" nodeType="mainSeq">
+                <p:childTnLst>
+                  <p:par>
+                    <p:cTn id="3" fill="hold">
+                      <p:stCondLst>
+                        <p:cond delay="indefinite"/>
+                      </p:stCondLst>
+                      <p:childTnLst>
+                        <p:par>
+                          <p:cTn id="4" fill="hold">
+                            <p:stCondLst>
+                              <p:cond delay="0"/>
+                            </p:stCondLst>
+                            <p:childTnLst>
+                              <p:par>
+                                <p:cTn id="5" presetID="10" presetClass="entr" presetSubtype="0" fill="hold" nodeType="clickEffect">
+                                  <p:stCondLst>
+                                    <p:cond delay="0"/>
+                                  </p:stCondLst>
+                                  <p:childTnLst>
+                                    <p:set>
+                                      <p:cBhvr>
+                                        <p:cTn id="6" dur="1" fill="hold">
+                                          <p:stCondLst>
+                                            <p:cond delay="0"/>
+                                          </p:stCondLst>
+                                        </p:cTn>
+                                        <p:tgtEl>
+                                          <p:spTgt spid="3">
+                                            <p:txEl>
+                                              <p:pRg st="0" end="0"/>
+                                            </p:txEl>
+                                          </p:spTgt>
+                                        </p:tgtEl>
+                                        <p:attrNameLst>
+                                          <p:attrName>style.visibility</p:attrName>
+                                        </p:attrNameLst>
+                                      </p:cBhvr>
+                                      <p:to>
+                                        <p:strVal val="visible"/>
+                                      </p:to>
+                                    </p:set>
+                                    <p:animEffect transition="in" filter="fade">
+                                      <p:cBhvr>
+                                        <p:cTn id="7" dur="500"/>
+                                        <p:tgtEl>
+                                          <p:spTgt spid="3">
+                                            <p:txEl>
+                                              <p:pRg st="0" end="0"/>
+                                            </p:txEl>
+                                          </p:spTgt>
+                                        </p:tgtEl>
+                                      </p:cBhvr>
+                                    </p:animEffect>
+                                  </p:childTnLst>
+                                </p:cTn>
+                              </p:par>
+                            </p:childTnLst>
+                          </p:cTn>
+                        </p:par>
+                      </p:childTnLst>
+                    </p:cTn>
+                  </p:par>
+                  <p:par>
+                    <p:cTn id="8" fill="hold">
+                      <p:stCondLst>
+                        <p:cond delay="indefinite"/>
+                      </p:stCondLst>
+                      <p:childTnLst>
+                        <p:par>
+                          <p:cTn id="9" fill="hold">
+                            <p:stCondLst>
+                              <p:cond delay="0"/>
+                            </p:stCondLst>
+                            <p:childTnLst>
+                              <p:par>
+                                <p:cTn id="10" presetID="10" presetClass="entr" presetSubtype="0" fill="hold" nodeType="clickEffect">
+                                  <p:stCondLst>
+                                    <p:cond delay="0"/>
+                                  </p:stCondLst>
+                                  <p:childTnLst>
+                                    <p:set>
+                                      <p:cBhvr>
+                                        <p:cTn id="11" dur="1" fill="hold">
+                                          <p:stCondLst>
+                                            <p:cond delay="0"/>
+                                          </p:stCondLst>
+                                        </p:cTn>
+                                        <p:tgtEl>
+                                          <p:spTgt spid="3">
+                                            <p:txEl>
+                                              <p:pRg st="1" end="1"/>
+                                            </p:txEl>
+                                          </p:spTgt>
+                                        </p:tgtEl>
+                                        <p:attrNameLst>
+                                          <p:attrName>style.visibility</p:attrName>
+                                        </p:attrNameLst>
+                                      </p:cBhvr>
+                                      <p:to>
+                                        <p:strVal val="visible"/>
+                                      </p:to>
+                                    </p:set>
+                                    <p:animEffect transition="in" filter="fade">
+                                      <p:cBhvr>
+                                        <p:cTn id="12" dur="500"/>
+                                        <p:tgtEl>
+                                          <p:spTgt spid="3">
+                                            <p:txEl>
+                                              <p:pRg st="1" end="1"/>
+                                            </p:txEl>
+                                          </p:spTgt>
+                                        </p:tgtEl>
+                                      </p:cBhvr>
+                                    </p:animEffect>
+                                  </p:childTnLst>
+                                </p:cTn>
+                              </p:par>
+                            </p:childTnLst>
+                          </p:cTn>
+                        </p:par>
+                      </p:childTnLst>
+                    </p:cTn>
+                  </p:par>
+                  <p:par>
+                    <p:cTn id="13" fill="hold">
+                      <p:stCondLst>
+                        <p:cond delay="indefinite"/>
+                      </p:stCondLst>
+                      <p:childTnLst>
+                        <p:par>
+                          <p:cTn id="14" fill="hold">
+                            <p:stCondLst>
+                              <p:cond delay="0"/>
+                            </p:stCondLst>
+                            <p:childTnLst>
+                              <p:par>
+                                <p:cTn id="15" presetID="10" presetClass="entr" presetSubtype="0" fill="hold" nodeType="clickEffect">
+                                  <p:stCondLst>
+                                    <p:cond delay="0"/>
+                                  </p:stCondLst>
+                                  <p:childTnLst>
+                                    <p:set>
+                                      <p:cBhvr>
+                                        <p:cTn id="16" dur="1" fill="hold">
+                                          <p:stCondLst>
+                                            <p:cond delay="0"/>
+                                          </p:stCondLst>
+                                        </p:cTn>
+                                        <p:tgtEl>
+                                          <p:spTgt spid="3">
+                                            <p:txEl>
+                                              <p:pRg st="2" end="2"/>
+                                            </p:txEl>
+                                          </p:spTgt>
+                                        </p:tgtEl>
+                                        <p:attrNameLst>
+                                          <p:attrName>style.visibility</p:attrName>
+                                        </p:attrNameLst>
+                                      </p:cBhvr>
+                                      <p:to>
+                                        <p:strVal val="visible"/>
+                                      </p:to>
+                                    </p:set>
+                                    <p:animEffect transition="in" filter="fade">
+                                      <p:cBhvr>
+                                        <p:cTn id="17" dur="500"/>
+                                        <p:tgtEl>
+                                          <p:spTgt spid="3">
+                                            <p:txEl>
+                                              <p:pRg st="2" end="2"/>
+                                            </p:txEl>
+                                          </p:spTgt>
+                                        </p:tgtEl>
+                                      </p:cBhvr>
+                                    </p:animEffect>
+                                  </p:childTnLst>
+                                </p:cTn>
+                              </p:par>
+                            </p:childTnLst>
+                          </p:cTn>
+                        </p:par>
+                      </p:childTnLst>
+                    </p:cTn>
+                  </p:par>
+                  <p:par>
+                    <p:cTn id="18" fill="hold">
+                      <p:stCondLst>
+                        <p:cond delay="indefinite"/>
+                      </p:stCondLst>
+                      <p:childTnLst>
+                        <p:par>
+                          <p:cTn id="19" fill="hold">
+                            <p:stCondLst>
+                              <p:cond delay="0"/>
+                            </p:stCondLst>
+                            <p:childTnLst>
+                              <p:par>
+                                <p:cTn id="20" presetID="10" presetClass="entr" presetSubtype="0" fill="hold" nodeType="clickEffect">
+                                  <p:stCondLst>
+                                    <p:cond delay="0"/>
+                                  </p:stCondLst>
+                                  <p:childTnLst>
+                                    <p:set>
+                                      <p:cBhvr>
+                                        <p:cTn id="21" dur="1" fill="hold">
+                                          <p:stCondLst>
+                                            <p:cond delay="0"/>
+                                          </p:stCondLst>
+                                        </p:cTn>
+                                        <p:tgtEl>
+                                          <p:spTgt spid="3">
+                                            <p:txEl>
+                                              <p:pRg st="3" end="3"/>
+                                            </p:txEl>
+                                          </p:spTgt>
+                                        </p:tgtEl>
+                                        <p:attrNameLst>
+                                          <p:attrName>style.visibility</p:attrName>
+                                        </p:attrNameLst>
+                                      </p:cBhvr>
+                                      <p:to>
+                                        <p:strVal val="visible"/>
+                                      </p:to>
+                                    </p:set>
+                                    <p:animEffect transition="in" filter="fade">
+                                      <p:cBhvr>
+                                        <p:cTn id="22" dur="500"/>
+                                        <p:tgtEl>
+                                          <p:spTgt spid="3">
+                                            <p:txEl>
+                                              <p:pRg st="3" end="3"/>
+                                            </p:txEl>
+                                          </p:spTgt>
+                                        </p:tgtEl>
+                                      </p:cBhvr>
+                                    </p:animEffect>
+                                  </p:childTnLst>
+                                </p:cTn>
+                              </p:par>
+                            </p:childTnLst>
+                          </p:cTn>
+                        </p:par>
+                      </p:childTnLst>
+                    </p:cTn>
+                  </p:par>
+                  <p:par>
+                    <p:cTn id="23" fill="hold">
+                      <p:stCondLst>
+                        <p:cond delay="indefinite"/>
+                      </p:stCondLst>
+                      <p:childTnLst>
+                        <p:par>
+                          <p:cTn id="24" fill="hold">
+                            <p:stCondLst>
+                              <p:cond delay="0"/>
+                            </p:stCondLst>
+                            <p:childTnLst>
+                              <p:par>
+                                <p:cTn id="25" presetID="10" presetClass="entr" presetSubtype="0" fill="hold" nodeType="clickEffect">
+                                  <p:stCondLst>
+                                    <p:cond delay="0"/>
+                                  </p:stCondLst>
+                                  <p:childTnLst>
+                                    <p:set>
+                                      <p:cBhvr>
+                                        <p:cTn id="26" dur="1" fill="hold">
+                                          <p:stCondLst>
+                                            <p:cond delay="0"/>
+                                          </p:stCondLst>
+                                        </p:cTn>
+                                        <p:tgtEl>
+                                          <p:spTgt spid="3">
+                                            <p:txEl>
+                                              <p:pRg st="4" end="4"/>
+                                            </p:txEl>
+                                          </p:spTgt>
+                                        </p:tgtEl>
+                                        <p:attrNameLst>
+                                          <p:attrName>style.visibility</p:attrName>
+                                        </p:attrNameLst>
+                                      </p:cBhvr>
+                                      <p:to>
+                                        <p:strVal val="visible"/>
+                                      </p:to>
+                                    </p:set>
+                                    <p:animEffect transition="in" filter="fade">
+                                      <p:cBhvr>
+                                        <p:cTn id="27" dur="500"/>
+                                        <p:tgtEl>
+                                          <p:spTgt spid="3">
+                                            <p:txEl>
+                                              <p:pRg st="4" end="4"/>
+                                            </p:txEl>
+                                          </p:spTgt>
+                                        </p:tgtEl>
+                                      </p:cBhvr>
+                                    </p:animEffect>
+                                  </p:childTnLst>
+                                </p:cTn>
+                              </p:par>
+                            </p:childTnLst>
+                          </p:cTn>
+                        </p:par>
+                      </p:childTnLst>
+                    </p:cTn>
+                  </p:par>
+                  <p:par>
+                    <p:cTn id="28" fill="hold">
+                      <p:stCondLst>
+                        <p:cond delay="indefinite"/>
+                      </p:stCondLst>
+                      <p:childTnLst>
+                        <p:par>
+                          <p:cTn id="29" fill="hold">
+                            <p:stCondLst>
+                              <p:cond delay="0"/>
+                            </p:stCondLst>
+                            <p:childTnLst>
+                              <p:par>
+                                <p:cTn id="30" presetID="10" presetClass="entr" presetSubtype="0" fill="hold" nodeType="clickEffect">
+                                  <p:stCondLst>
+                                    <p:cond delay="0"/>
+                                  </p:stCondLst>
+                                  <p:childTnLst>
+                                    <p:set>
+                                      <p:cBhvr>
+                                        <p:cTn id="31" dur="1" fill="hold">
+                                          <p:stCondLst>
+                                            <p:cond delay="0"/>
+                                          </p:stCondLst>
+                                        </p:cTn>
+                                        <p:tgtEl>
+                                          <p:spTgt spid="3">
+                                            <p:txEl>
+                                              <p:pRg st="5" end="5"/>
+                                            </p:txEl>
+                                          </p:spTgt>
+                                        </p:tgtEl>
+                                        <p:attrNameLst>
+                                          <p:attrName>style.visibility</p:attrName>
+                                        </p:attrNameLst>
+                                      </p:cBhvr>
+                                      <p:to>
+                                        <p:strVal val="visible"/>
+                                      </p:to>
+                                    </p:set>
+                                    <p:animEffect transition="in" filter="fade">
+                                      <p:cBhvr>
+                                        <p:cTn id="32" dur="500"/>
+                                        <p:tgtEl>
+                                          <p:spTgt spid="3">
+                                            <p:txEl>
+                                              <p:pRg st="5" end="5"/>
+                                            </p:txEl>
+                                          </p:spTgt>
+                                        </p:tgtEl>
+                                      </p:cBhvr>
+                                    </p:animEffect>
+                                  </p:childTnLst>
+                                </p:cTn>
+                              </p:par>
+                            </p:childTnLst>
+                          </p:cTn>
+                        </p:par>
+                      </p:childTnLst>
+                    </p:cTn>
+                  </p:par>
+                  <p:par>
+                    <p:cTn id="33" fill="hold">
+                      <p:stCondLst>
+                        <p:cond delay="indefinite"/>
+                      </p:stCondLst>
+                      <p:childTnLst>
+                        <p:par>
+                          <p:cTn id="34" fill="hold">
+                            <p:stCondLst>
+                              <p:cond delay="0"/>
+                            </p:stCondLst>
+                            <p:childTnLst>
+                              <p:par>
+                                <p:cTn id="35" presetID="10" presetClass="entr" presetSubtype="0" fill="hold" nodeType="clickEffect">
+                                  <p:stCondLst>
+                                    <p:cond delay="0"/>
+                                  </p:stCondLst>
+                                  <p:childTnLst>
+                                    <p:set>
+                                      <p:cBhvr>
+                                        <p:cTn id="36" dur="1" fill="hold">
+                                          <p:stCondLst>
+                                            <p:cond delay="0"/>
+                                          </p:stCondLst>
+                                        </p:cTn>
+                                        <p:tgtEl>
+                                          <p:spTgt spid="3">
+                                            <p:txEl>
+                                              <p:pRg st="6" end="6"/>
+                                            </p:txEl>
+                                          </p:spTgt>
+                                        </p:tgtEl>
+                                        <p:attrNameLst>
+                                          <p:attrName>style.visibility</p:attrName>
+                                        </p:attrNameLst>
+                                      </p:cBhvr>
+                                      <p:to>
+                                        <p:strVal val="visible"/>
+                                      </p:to>
+                                    </p:set>
+                                    <p:animEffect transition="in" filter="fade">
+                                      <p:cBhvr>
+                                        <p:cTn id="37" dur="500"/>
+                                        <p:tgtEl>
+                                          <p:spTgt spid="3">
+                                            <p:txEl>
+                                              <p:pRg st="6" end="6"/>
+                                            </p:txEl>
+                                          </p:spTgt>
+                                        </p:tgtEl>
+                                      </p:cBhvr>
+                                    </p:animEffect>
+                                  </p:childTnLst>
+                                </p:cTn>
+                              </p:par>
+                            </p:childTnLst>
+                          </p:cTn>
+                        </p:par>
+                      </p:childTnLst>
+                    </p:cTn>
+                  </p:par>
+                </p:childTnLst>
+              </p:cTn>
+              <p:prevCondLst>
+                <p:cond evt="onPrev" delay="0">
+                  <p:tgtEl>
+                    <p:sldTgt/>
+                  </p:tgtEl>
+                </p:cond>
+              </p:prevCondLst>
+              <p:nextCondLst>
+                <p:cond evt="onNext" delay="0">
+                  <p:tgtEl>
+                    <p:sldTgt/>
+                  </p:tgtEl>
+                </p:cond>
+              </p:nextCondLst>
+            </p:seq>
+          </p:childTnLst>
+        </p:cTn>
+      </p:par>
+    </p:tnLst>
+  </p:timing>
 </p:sld>
 </file>
 
@@ -15519,14 +16108,166 @@
   <p:clrMapOvr>
     <a:masterClrMapping/>
   </p:clrMapOvr>
-  <mc:AlternateContent xmlns:mc="http://schemas.openxmlformats.org/markup-compatibility/2006">
-    <mc:Choice xmlns:p14="http://schemas.microsoft.com/office/powerpoint/2010/main" Requires="p14">
+  <mc:AlternateContent xmlns:mc="http://schemas.openxmlformats.org/markup-compatibility/2006" xmlns:p14="http://schemas.microsoft.com/office/powerpoint/2010/main">
+    <mc:Choice Requires="p14">
       <p:transition p14:dur="0"/>
     </mc:Choice>
-    <mc:Fallback>
+    <mc:Fallback xmlns="">
       <p:transition/>
     </mc:Fallback>
   </mc:AlternateContent>
+  <p:timing>
+    <p:tnLst>
+      <p:par>
+        <p:cTn id="1" dur="indefinite" restart="never" nodeType="tmRoot">
+          <p:childTnLst>
+            <p:seq concurrent="1" nextAc="seek">
+              <p:cTn id="2" dur="indefinite" nodeType="mainSeq">
+                <p:childTnLst>
+                  <p:par>
+                    <p:cTn id="3" fill="hold">
+                      <p:stCondLst>
+                        <p:cond delay="indefinite"/>
+                      </p:stCondLst>
+                      <p:childTnLst>
+                        <p:par>
+                          <p:cTn id="4" fill="hold">
+                            <p:stCondLst>
+                              <p:cond delay="0"/>
+                            </p:stCondLst>
+                            <p:childTnLst>
+                              <p:par>
+                                <p:cTn id="5" presetID="10" presetClass="entr" presetSubtype="0" fill="hold" nodeType="clickEffect">
+                                  <p:stCondLst>
+                                    <p:cond delay="0"/>
+                                  </p:stCondLst>
+                                  <p:childTnLst>
+                                    <p:set>
+                                      <p:cBhvr>
+                                        <p:cTn id="6" dur="1" fill="hold">
+                                          <p:stCondLst>
+                                            <p:cond delay="0"/>
+                                          </p:stCondLst>
+                                        </p:cTn>
+                                        <p:tgtEl>
+                                          <p:spTgt spid="3">
+                                            <p:txEl>
+                                              <p:pRg st="1" end="1"/>
+                                            </p:txEl>
+                                          </p:spTgt>
+                                        </p:tgtEl>
+                                        <p:attrNameLst>
+                                          <p:attrName>style.visibility</p:attrName>
+                                        </p:attrNameLst>
+                                      </p:cBhvr>
+                                      <p:to>
+                                        <p:strVal val="visible"/>
+                                      </p:to>
+                                    </p:set>
+                                    <p:animEffect transition="in" filter="fade">
+                                      <p:cBhvr>
+                                        <p:cTn id="7" dur="500"/>
+                                        <p:tgtEl>
+                                          <p:spTgt spid="3">
+                                            <p:txEl>
+                                              <p:pRg st="1" end="1"/>
+                                            </p:txEl>
+                                          </p:spTgt>
+                                        </p:tgtEl>
+                                      </p:cBhvr>
+                                    </p:animEffect>
+                                  </p:childTnLst>
+                                </p:cTn>
+                              </p:par>
+                            </p:childTnLst>
+                          </p:cTn>
+                        </p:par>
+                      </p:childTnLst>
+                    </p:cTn>
+                  </p:par>
+                  <p:par>
+                    <p:cTn id="8" fill="hold">
+                      <p:stCondLst>
+                        <p:cond delay="indefinite"/>
+                      </p:stCondLst>
+                      <p:childTnLst>
+                        <p:par>
+                          <p:cTn id="9" fill="hold">
+                            <p:stCondLst>
+                              <p:cond delay="0"/>
+                            </p:stCondLst>
+                            <p:childTnLst>
+                              <p:par>
+                                <p:cTn id="10" presetID="10" presetClass="entr" presetSubtype="0" fill="hold" nodeType="clickEffect">
+                                  <p:stCondLst>
+                                    <p:cond delay="0"/>
+                                  </p:stCondLst>
+                                  <p:childTnLst>
+                                    <p:set>
+                                      <p:cBhvr>
+                                        <p:cTn id="11" dur="1" fill="hold">
+                                          <p:stCondLst>
+                                            <p:cond delay="0"/>
+                                          </p:stCondLst>
+                                        </p:cTn>
+                                        <p:tgtEl>
+                                          <p:spTgt spid="3">
+                                            <p:txEl>
+                                              <p:pRg st="2" end="2"/>
+                                            </p:txEl>
+                                          </p:spTgt>
+                                        </p:tgtEl>
+                                        <p:attrNameLst>
+                                          <p:attrName>style.visibility</p:attrName>
+                                        </p:attrNameLst>
+                                      </p:cBhvr>
+                                      <p:to>
+                                        <p:strVal val="visible"/>
+                                      </p:to>
+                                    </p:set>
+                                    <p:animEffect transition="in" filter="fade">
+                                      <p:cBhvr>
+                                        <p:cTn id="12" dur="500"/>
+                                        <p:tgtEl>
+                                          <p:spTgt spid="3">
+                                            <p:txEl>
+                                              <p:pRg st="2" end="2"/>
+                                            </p:txEl>
+                                          </p:spTgt>
+                                        </p:tgtEl>
+                                      </p:cBhvr>
+                                    </p:animEffect>
+                                  </p:childTnLst>
+                                </p:cTn>
+                              </p:par>
+                            </p:childTnLst>
+                          </p:cTn>
+                        </p:par>
+                      </p:childTnLst>
+                    </p:cTn>
+                  </p:par>
+                </p:childTnLst>
+              </p:cTn>
+              <p:prevCondLst>
+                <p:cond evt="onPrev" delay="0">
+                  <p:tgtEl>
+                    <p:sldTgt/>
+                  </p:tgtEl>
+                </p:cond>
+              </p:prevCondLst>
+              <p:nextCondLst>
+                <p:cond evt="onNext" delay="0">
+                  <p:tgtEl>
+                    <p:sldTgt/>
+                  </p:tgtEl>
+                </p:cond>
+              </p:nextCondLst>
+            </p:seq>
+          </p:childTnLst>
+        </p:cTn>
+      </p:par>
+    </p:tnLst>
+  </p:timing>
 </p:sld>
 </file>
 
@@ -15700,11 +16441,163 @@
       <p:transition/>
     </mc:Fallback>
   </mc:AlternateContent>
+  <p:timing>
+    <p:tnLst>
+      <p:par>
+        <p:cTn id="1" dur="indefinite" restart="never" nodeType="tmRoot">
+          <p:childTnLst>
+            <p:seq concurrent="1" nextAc="seek">
+              <p:cTn id="2" dur="indefinite" nodeType="mainSeq">
+                <p:childTnLst>
+                  <p:par>
+                    <p:cTn id="3" fill="hold">
+                      <p:stCondLst>
+                        <p:cond delay="indefinite"/>
+                      </p:stCondLst>
+                      <p:childTnLst>
+                        <p:par>
+                          <p:cTn id="4" fill="hold">
+                            <p:stCondLst>
+                              <p:cond delay="0"/>
+                            </p:stCondLst>
+                            <p:childTnLst>
+                              <p:par>
+                                <p:cTn id="5" presetID="10" presetClass="entr" presetSubtype="0" fill="hold" nodeType="clickEffect">
+                                  <p:stCondLst>
+                                    <p:cond delay="0"/>
+                                  </p:stCondLst>
+                                  <p:childTnLst>
+                                    <p:set>
+                                      <p:cBhvr>
+                                        <p:cTn id="6" dur="1" fill="hold">
+                                          <p:stCondLst>
+                                            <p:cond delay="0"/>
+                                          </p:stCondLst>
+                                        </p:cTn>
+                                        <p:tgtEl>
+                                          <p:spTgt spid="3">
+                                            <p:txEl>
+                                              <p:pRg st="0" end="0"/>
+                                            </p:txEl>
+                                          </p:spTgt>
+                                        </p:tgtEl>
+                                        <p:attrNameLst>
+                                          <p:attrName>style.visibility</p:attrName>
+                                        </p:attrNameLst>
+                                      </p:cBhvr>
+                                      <p:to>
+                                        <p:strVal val="visible"/>
+                                      </p:to>
+                                    </p:set>
+                                    <p:animEffect transition="in" filter="fade">
+                                      <p:cBhvr>
+                                        <p:cTn id="7" dur="500"/>
+                                        <p:tgtEl>
+                                          <p:spTgt spid="3">
+                                            <p:txEl>
+                                              <p:pRg st="0" end="0"/>
+                                            </p:txEl>
+                                          </p:spTgt>
+                                        </p:tgtEl>
+                                      </p:cBhvr>
+                                    </p:animEffect>
+                                  </p:childTnLst>
+                                </p:cTn>
+                              </p:par>
+                            </p:childTnLst>
+                          </p:cTn>
+                        </p:par>
+                      </p:childTnLst>
+                    </p:cTn>
+                  </p:par>
+                  <p:par>
+                    <p:cTn id="8" fill="hold">
+                      <p:stCondLst>
+                        <p:cond delay="indefinite"/>
+                      </p:stCondLst>
+                      <p:childTnLst>
+                        <p:par>
+                          <p:cTn id="9" fill="hold">
+                            <p:stCondLst>
+                              <p:cond delay="0"/>
+                            </p:stCondLst>
+                            <p:childTnLst>
+                              <p:par>
+                                <p:cTn id="10" presetID="10" presetClass="entr" presetSubtype="0" fill="hold" nodeType="clickEffect">
+                                  <p:stCondLst>
+                                    <p:cond delay="0"/>
+                                  </p:stCondLst>
+                                  <p:childTnLst>
+                                    <p:set>
+                                      <p:cBhvr>
+                                        <p:cTn id="11" dur="1" fill="hold">
+                                          <p:stCondLst>
+                                            <p:cond delay="0"/>
+                                          </p:stCondLst>
+                                        </p:cTn>
+                                        <p:tgtEl>
+                                          <p:spTgt spid="3">
+                                            <p:txEl>
+                                              <p:pRg st="2" end="2"/>
+                                            </p:txEl>
+                                          </p:spTgt>
+                                        </p:tgtEl>
+                                        <p:attrNameLst>
+                                          <p:attrName>style.visibility</p:attrName>
+                                        </p:attrNameLst>
+                                      </p:cBhvr>
+                                      <p:to>
+                                        <p:strVal val="visible"/>
+                                      </p:to>
+                                    </p:set>
+                                    <p:animEffect transition="in" filter="fade">
+                                      <p:cBhvr>
+                                        <p:cTn id="12" dur="500"/>
+                                        <p:tgtEl>
+                                          <p:spTgt spid="3">
+                                            <p:txEl>
+                                              <p:pRg st="2" end="2"/>
+                                            </p:txEl>
+                                          </p:spTgt>
+                                        </p:tgtEl>
+                                      </p:cBhvr>
+                                    </p:animEffect>
+                                  </p:childTnLst>
+                                </p:cTn>
+                              </p:par>
+                            </p:childTnLst>
+                          </p:cTn>
+                        </p:par>
+                      </p:childTnLst>
+                    </p:cTn>
+                  </p:par>
+                </p:childTnLst>
+              </p:cTn>
+              <p:prevCondLst>
+                <p:cond evt="onPrev" delay="0">
+                  <p:tgtEl>
+                    <p:sldTgt/>
+                  </p:tgtEl>
+                </p:cond>
+              </p:prevCondLst>
+              <p:nextCondLst>
+                <p:cond evt="onNext" delay="0">
+                  <p:tgtEl>
+                    <p:sldTgt/>
+                  </p:tgtEl>
+                </p:cond>
+              </p:nextCondLst>
+            </p:seq>
+          </p:childTnLst>
+        </p:cTn>
+      </p:par>
+    </p:tnLst>
+  </p:timing>
 </p:sld>
 </file>
 
 <file path=ppt/slides/slide13.xml><?xml version="1.0" encoding="utf-8"?>
-<p:sld xmlns:a="http://schemas.openxmlformats.org/drawingml/2006/main" xmlns:r="http://schemas.openxmlformats.org/officeDocument/2006/relationships" xmlns:p="http://schemas.openxmlformats.org/presentationml/2006/main">
+<p:sld xmlns:a="http://schemas.openxmlformats.org/drawingml/2006/main" xmlns:r="http://schemas.openxmlformats.org/officeDocument/2006/relationships" xmlns:p="http://schemas.openxmlformats.org/presentationml/2006/main" show="0">
   <p:cSld>
     <p:spTree>
       <p:nvGrpSpPr>
@@ -15790,7 +16683,7 @@
                 </a:solidFill>
                 <a:latin typeface="+mj-lt"/>
               </a:rPr>
-              <a:t>Kubernetes Architecture</a:t>
+              <a:t>Azure Kubernetes (AKS) Architecture</a:t>
             </a:r>
             <a:endParaRPr lang="en-US" sz="1800" dirty="0">
               <a:solidFill>
@@ -15852,7 +16745,7 @@
 </file>
 
 <file path=ppt/slides/slide14.xml><?xml version="1.0" encoding="utf-8"?>
-<p:sld xmlns:a="http://schemas.openxmlformats.org/drawingml/2006/main" xmlns:r="http://schemas.openxmlformats.org/officeDocument/2006/relationships" xmlns:p="http://schemas.openxmlformats.org/presentationml/2006/main">
+<p:sld xmlns:a="http://schemas.openxmlformats.org/drawingml/2006/main" xmlns:r="http://schemas.openxmlformats.org/officeDocument/2006/relationships" xmlns:p="http://schemas.openxmlformats.org/presentationml/2006/main" show="0">
   <p:cSld>
     <p:spTree>
       <p:nvGrpSpPr>
@@ -16167,14 +17060,14 @@
           <p:nvPr>
             <p:extLst>
               <p:ext uri="{D42A27DB-BD31-4B8C-83A1-F6EECF244321}">
-                <p14:modId xmlns:p14="http://schemas.microsoft.com/office/powerpoint/2010/main" val="3352997180"/>
+                <p14:modId xmlns:p14="http://schemas.microsoft.com/office/powerpoint/2010/main" val="3146896958"/>
               </p:ext>
             </p:extLst>
           </p:nvPr>
         </p:nvGraphicFramePr>
         <p:xfrm>
-          <a:off x="3108071" y="3429000"/>
-          <a:ext cx="8040154" cy="3219222"/>
+          <a:off x="3155696" y="3206262"/>
+          <a:ext cx="8040154" cy="3493542"/>
         </p:xfrm>
         <a:graphic>
           <a:graphicData uri="http://schemas.openxmlformats.org/drawingml/2006/table">
@@ -16519,6 +17412,89 @@
       <p:transition/>
     </mc:Fallback>
   </mc:AlternateContent>
+  <p:timing>
+    <p:tnLst>
+      <p:par>
+        <p:cTn id="1" dur="indefinite" restart="never" nodeType="tmRoot">
+          <p:childTnLst>
+            <p:seq concurrent="1" nextAc="seek">
+              <p:cTn id="2" dur="indefinite" nodeType="mainSeq">
+                <p:childTnLst>
+                  <p:par>
+                    <p:cTn id="3" fill="hold">
+                      <p:stCondLst>
+                        <p:cond delay="indefinite"/>
+                      </p:stCondLst>
+                      <p:childTnLst>
+                        <p:par>
+                          <p:cTn id="4" fill="hold">
+                            <p:stCondLst>
+                              <p:cond delay="0"/>
+                            </p:stCondLst>
+                            <p:childTnLst>
+                              <p:par>
+                                <p:cTn id="5" presetID="10" presetClass="entr" presetSubtype="0" fill="hold" nodeType="clickEffect">
+                                  <p:stCondLst>
+                                    <p:cond delay="0"/>
+                                  </p:stCondLst>
+                                  <p:childTnLst>
+                                    <p:set>
+                                      <p:cBhvr>
+                                        <p:cTn id="6" dur="1" fill="hold">
+                                          <p:stCondLst>
+                                            <p:cond delay="0"/>
+                                          </p:stCondLst>
+                                        </p:cTn>
+                                        <p:tgtEl>
+                                          <p:spTgt spid="4"/>
+                                        </p:tgtEl>
+                                        <p:attrNameLst>
+                                          <p:attrName>style.visibility</p:attrName>
+                                        </p:attrNameLst>
+                                      </p:cBhvr>
+                                      <p:to>
+                                        <p:strVal val="visible"/>
+                                      </p:to>
+                                    </p:set>
+                                    <p:animEffect transition="in" filter="fade">
+                                      <p:cBhvr>
+                                        <p:cTn id="7" dur="500"/>
+                                        <p:tgtEl>
+                                          <p:spTgt spid="4"/>
+                                        </p:tgtEl>
+                                      </p:cBhvr>
+                                    </p:animEffect>
+                                  </p:childTnLst>
+                                </p:cTn>
+                              </p:par>
+                            </p:childTnLst>
+                          </p:cTn>
+                        </p:par>
+                      </p:childTnLst>
+                    </p:cTn>
+                  </p:par>
+                </p:childTnLst>
+              </p:cTn>
+              <p:prevCondLst>
+                <p:cond evt="onPrev" delay="0">
+                  <p:tgtEl>
+                    <p:sldTgt/>
+                  </p:tgtEl>
+                </p:cond>
+              </p:prevCondLst>
+              <p:nextCondLst>
+                <p:cond evt="onNext" delay="0">
+                  <p:tgtEl>
+                    <p:sldTgt/>
+                  </p:tgtEl>
+                </p:cond>
+              </p:nextCondLst>
+            </p:seq>
+          </p:childTnLst>
+        </p:cTn>
+      </p:par>
+    </p:tnLst>
+  </p:timing>
 </p:sld>
 </file>
 
@@ -16823,6 +17799,355 @@
       <p:transition/>
     </mc:Fallback>
   </mc:AlternateContent>
+  <p:timing>
+    <p:tnLst>
+      <p:par>
+        <p:cTn id="1" dur="indefinite" restart="never" nodeType="tmRoot">
+          <p:childTnLst>
+            <p:seq concurrent="1" nextAc="seek">
+              <p:cTn id="2" dur="indefinite" nodeType="mainSeq">
+                <p:childTnLst>
+                  <p:par>
+                    <p:cTn id="3" fill="hold">
+                      <p:stCondLst>
+                        <p:cond delay="indefinite"/>
+                      </p:stCondLst>
+                      <p:childTnLst>
+                        <p:par>
+                          <p:cTn id="4" fill="hold">
+                            <p:stCondLst>
+                              <p:cond delay="0"/>
+                            </p:stCondLst>
+                            <p:childTnLst>
+                              <p:par>
+                                <p:cTn id="5" presetID="10" presetClass="entr" presetSubtype="0" fill="hold" nodeType="clickEffect">
+                                  <p:stCondLst>
+                                    <p:cond delay="0"/>
+                                  </p:stCondLst>
+                                  <p:childTnLst>
+                                    <p:set>
+                                      <p:cBhvr>
+                                        <p:cTn id="6" dur="1" fill="hold">
+                                          <p:stCondLst>
+                                            <p:cond delay="0"/>
+                                          </p:stCondLst>
+                                        </p:cTn>
+                                        <p:tgtEl>
+                                          <p:spTgt spid="9">
+                                            <p:txEl>
+                                              <p:pRg st="6" end="6"/>
+                                            </p:txEl>
+                                          </p:spTgt>
+                                        </p:tgtEl>
+                                        <p:attrNameLst>
+                                          <p:attrName>style.visibility</p:attrName>
+                                        </p:attrNameLst>
+                                      </p:cBhvr>
+                                      <p:to>
+                                        <p:strVal val="visible"/>
+                                      </p:to>
+                                    </p:set>
+                                    <p:animEffect transition="in" filter="fade">
+                                      <p:cBhvr>
+                                        <p:cTn id="7" dur="500"/>
+                                        <p:tgtEl>
+                                          <p:spTgt spid="9">
+                                            <p:txEl>
+                                              <p:pRg st="6" end="6"/>
+                                            </p:txEl>
+                                          </p:spTgt>
+                                        </p:tgtEl>
+                                      </p:cBhvr>
+                                    </p:animEffect>
+                                  </p:childTnLst>
+                                </p:cTn>
+                              </p:par>
+                              <p:par>
+                                <p:cTn id="8" presetID="10" presetClass="entr" presetSubtype="0" fill="hold" nodeType="withEffect">
+                                  <p:stCondLst>
+                                    <p:cond delay="0"/>
+                                  </p:stCondLst>
+                                  <p:childTnLst>
+                                    <p:set>
+                                      <p:cBhvr>
+                                        <p:cTn id="9" dur="1" fill="hold">
+                                          <p:stCondLst>
+                                            <p:cond delay="0"/>
+                                          </p:stCondLst>
+                                        </p:cTn>
+                                        <p:tgtEl>
+                                          <p:spTgt spid="9">
+                                            <p:txEl>
+                                              <p:pRg st="7" end="7"/>
+                                            </p:txEl>
+                                          </p:spTgt>
+                                        </p:tgtEl>
+                                        <p:attrNameLst>
+                                          <p:attrName>style.visibility</p:attrName>
+                                        </p:attrNameLst>
+                                      </p:cBhvr>
+                                      <p:to>
+                                        <p:strVal val="visible"/>
+                                      </p:to>
+                                    </p:set>
+                                    <p:animEffect transition="in" filter="fade">
+                                      <p:cBhvr>
+                                        <p:cTn id="10" dur="500"/>
+                                        <p:tgtEl>
+                                          <p:spTgt spid="9">
+                                            <p:txEl>
+                                              <p:pRg st="7" end="7"/>
+                                            </p:txEl>
+                                          </p:spTgt>
+                                        </p:tgtEl>
+                                      </p:cBhvr>
+                                    </p:animEffect>
+                                  </p:childTnLst>
+                                </p:cTn>
+                              </p:par>
+                              <p:par>
+                                <p:cTn id="11" presetID="10" presetClass="entr" presetSubtype="0" fill="hold" nodeType="withEffect">
+                                  <p:stCondLst>
+                                    <p:cond delay="0"/>
+                                  </p:stCondLst>
+                                  <p:childTnLst>
+                                    <p:set>
+                                      <p:cBhvr>
+                                        <p:cTn id="12" dur="1" fill="hold">
+                                          <p:stCondLst>
+                                            <p:cond delay="0"/>
+                                          </p:stCondLst>
+                                        </p:cTn>
+                                        <p:tgtEl>
+                                          <p:spTgt spid="9">
+                                            <p:txEl>
+                                              <p:pRg st="8" end="8"/>
+                                            </p:txEl>
+                                          </p:spTgt>
+                                        </p:tgtEl>
+                                        <p:attrNameLst>
+                                          <p:attrName>style.visibility</p:attrName>
+                                        </p:attrNameLst>
+                                      </p:cBhvr>
+                                      <p:to>
+                                        <p:strVal val="visible"/>
+                                      </p:to>
+                                    </p:set>
+                                    <p:animEffect transition="in" filter="fade">
+                                      <p:cBhvr>
+                                        <p:cTn id="13" dur="500"/>
+                                        <p:tgtEl>
+                                          <p:spTgt spid="9">
+                                            <p:txEl>
+                                              <p:pRg st="8" end="8"/>
+                                            </p:txEl>
+                                          </p:spTgt>
+                                        </p:tgtEl>
+                                      </p:cBhvr>
+                                    </p:animEffect>
+                                  </p:childTnLst>
+                                </p:cTn>
+                              </p:par>
+                              <p:par>
+                                <p:cTn id="14" presetID="10" presetClass="entr" presetSubtype="0" fill="hold" nodeType="withEffect">
+                                  <p:stCondLst>
+                                    <p:cond delay="0"/>
+                                  </p:stCondLst>
+                                  <p:childTnLst>
+                                    <p:set>
+                                      <p:cBhvr>
+                                        <p:cTn id="15" dur="1" fill="hold">
+                                          <p:stCondLst>
+                                            <p:cond delay="0"/>
+                                          </p:stCondLst>
+                                        </p:cTn>
+                                        <p:tgtEl>
+                                          <p:spTgt spid="9">
+                                            <p:txEl>
+                                              <p:pRg st="9" end="9"/>
+                                            </p:txEl>
+                                          </p:spTgt>
+                                        </p:tgtEl>
+                                        <p:attrNameLst>
+                                          <p:attrName>style.visibility</p:attrName>
+                                        </p:attrNameLst>
+                                      </p:cBhvr>
+                                      <p:to>
+                                        <p:strVal val="visible"/>
+                                      </p:to>
+                                    </p:set>
+                                    <p:animEffect transition="in" filter="fade">
+                                      <p:cBhvr>
+                                        <p:cTn id="16" dur="500"/>
+                                        <p:tgtEl>
+                                          <p:spTgt spid="9">
+                                            <p:txEl>
+                                              <p:pRg st="9" end="9"/>
+                                            </p:txEl>
+                                          </p:spTgt>
+                                        </p:tgtEl>
+                                      </p:cBhvr>
+                                    </p:animEffect>
+                                  </p:childTnLst>
+                                </p:cTn>
+                              </p:par>
+                              <p:par>
+                                <p:cTn id="17" presetID="10" presetClass="entr" presetSubtype="0" fill="hold" nodeType="withEffect">
+                                  <p:stCondLst>
+                                    <p:cond delay="0"/>
+                                  </p:stCondLst>
+                                  <p:childTnLst>
+                                    <p:set>
+                                      <p:cBhvr>
+                                        <p:cTn id="18" dur="1" fill="hold">
+                                          <p:stCondLst>
+                                            <p:cond delay="0"/>
+                                          </p:stCondLst>
+                                        </p:cTn>
+                                        <p:tgtEl>
+                                          <p:spTgt spid="9">
+                                            <p:txEl>
+                                              <p:pRg st="10" end="10"/>
+                                            </p:txEl>
+                                          </p:spTgt>
+                                        </p:tgtEl>
+                                        <p:attrNameLst>
+                                          <p:attrName>style.visibility</p:attrName>
+                                        </p:attrNameLst>
+                                      </p:cBhvr>
+                                      <p:to>
+                                        <p:strVal val="visible"/>
+                                      </p:to>
+                                    </p:set>
+                                    <p:animEffect transition="in" filter="fade">
+                                      <p:cBhvr>
+                                        <p:cTn id="19" dur="500"/>
+                                        <p:tgtEl>
+                                          <p:spTgt spid="9">
+                                            <p:txEl>
+                                              <p:pRg st="10" end="10"/>
+                                            </p:txEl>
+                                          </p:spTgt>
+                                        </p:tgtEl>
+                                      </p:cBhvr>
+                                    </p:animEffect>
+                                  </p:childTnLst>
+                                </p:cTn>
+                              </p:par>
+                              <p:par>
+                                <p:cTn id="20" presetID="10" presetClass="entr" presetSubtype="0" fill="hold" nodeType="withEffect">
+                                  <p:stCondLst>
+                                    <p:cond delay="0"/>
+                                  </p:stCondLst>
+                                  <p:childTnLst>
+                                    <p:set>
+                                      <p:cBhvr>
+                                        <p:cTn id="21" dur="1" fill="hold">
+                                          <p:stCondLst>
+                                            <p:cond delay="0"/>
+                                          </p:stCondLst>
+                                        </p:cTn>
+                                        <p:tgtEl>
+                                          <p:spTgt spid="9">
+                                            <p:txEl>
+                                              <p:pRg st="11" end="11"/>
+                                            </p:txEl>
+                                          </p:spTgt>
+                                        </p:tgtEl>
+                                        <p:attrNameLst>
+                                          <p:attrName>style.visibility</p:attrName>
+                                        </p:attrNameLst>
+                                      </p:cBhvr>
+                                      <p:to>
+                                        <p:strVal val="visible"/>
+                                      </p:to>
+                                    </p:set>
+                                    <p:animEffect transition="in" filter="fade">
+                                      <p:cBhvr>
+                                        <p:cTn id="22" dur="500"/>
+                                        <p:tgtEl>
+                                          <p:spTgt spid="9">
+                                            <p:txEl>
+                                              <p:pRg st="11" end="11"/>
+                                            </p:txEl>
+                                          </p:spTgt>
+                                        </p:tgtEl>
+                                      </p:cBhvr>
+                                    </p:animEffect>
+                                  </p:childTnLst>
+                                </p:cTn>
+                              </p:par>
+                              <p:par>
+                                <p:cTn id="23" presetID="10" presetClass="entr" presetSubtype="0" fill="hold" nodeType="withEffect">
+                                  <p:stCondLst>
+                                    <p:cond delay="0"/>
+                                  </p:stCondLst>
+                                  <p:childTnLst>
+                                    <p:set>
+                                      <p:cBhvr>
+                                        <p:cTn id="24" dur="1" fill="hold">
+                                          <p:stCondLst>
+                                            <p:cond delay="0"/>
+                                          </p:stCondLst>
+                                        </p:cTn>
+                                        <p:tgtEl>
+                                          <p:spTgt spid="9">
+                                            <p:txEl>
+                                              <p:pRg st="12" end="12"/>
+                                            </p:txEl>
+                                          </p:spTgt>
+                                        </p:tgtEl>
+                                        <p:attrNameLst>
+                                          <p:attrName>style.visibility</p:attrName>
+                                        </p:attrNameLst>
+                                      </p:cBhvr>
+                                      <p:to>
+                                        <p:strVal val="visible"/>
+                                      </p:to>
+                                    </p:set>
+                                    <p:animEffect transition="in" filter="fade">
+                                      <p:cBhvr>
+                                        <p:cTn id="25" dur="500"/>
+                                        <p:tgtEl>
+                                          <p:spTgt spid="9">
+                                            <p:txEl>
+                                              <p:pRg st="12" end="12"/>
+                                            </p:txEl>
+                                          </p:spTgt>
+                                        </p:tgtEl>
+                                      </p:cBhvr>
+                                    </p:animEffect>
+                                  </p:childTnLst>
+                                </p:cTn>
+                              </p:par>
+                            </p:childTnLst>
+                          </p:cTn>
+                        </p:par>
+                      </p:childTnLst>
+                    </p:cTn>
+                  </p:par>
+                </p:childTnLst>
+              </p:cTn>
+              <p:prevCondLst>
+                <p:cond evt="onPrev" delay="0">
+                  <p:tgtEl>
+                    <p:sldTgt/>
+                  </p:tgtEl>
+                </p:cond>
+              </p:prevCondLst>
+              <p:nextCondLst>
+                <p:cond evt="onNext" delay="0">
+                  <p:tgtEl>
+                    <p:sldTgt/>
+                  </p:tgtEl>
+                </p:cond>
+              </p:nextCondLst>
+            </p:seq>
+          </p:childTnLst>
+        </p:cTn>
+      </p:par>
+    </p:tnLst>
+  </p:timing>
 </p:sld>
 </file>
 
@@ -17207,6 +18532,158 @@
       <p:transition/>
     </mc:Fallback>
   </mc:AlternateContent>
+  <p:timing>
+    <p:tnLst>
+      <p:par>
+        <p:cTn id="1" dur="indefinite" restart="never" nodeType="tmRoot">
+          <p:childTnLst>
+            <p:seq concurrent="1" nextAc="seek">
+              <p:cTn id="2" dur="indefinite" nodeType="mainSeq">
+                <p:childTnLst>
+                  <p:par>
+                    <p:cTn id="3" fill="hold">
+                      <p:stCondLst>
+                        <p:cond delay="indefinite"/>
+                      </p:stCondLst>
+                      <p:childTnLst>
+                        <p:par>
+                          <p:cTn id="4" fill="hold">
+                            <p:stCondLst>
+                              <p:cond delay="0"/>
+                            </p:stCondLst>
+                            <p:childTnLst>
+                              <p:par>
+                                <p:cTn id="5" presetID="10" presetClass="entr" presetSubtype="0" fill="hold" nodeType="clickEffect">
+                                  <p:stCondLst>
+                                    <p:cond delay="0"/>
+                                  </p:stCondLst>
+                                  <p:childTnLst>
+                                    <p:set>
+                                      <p:cBhvr>
+                                        <p:cTn id="6" dur="1" fill="hold">
+                                          <p:stCondLst>
+                                            <p:cond delay="0"/>
+                                          </p:stCondLst>
+                                        </p:cTn>
+                                        <p:tgtEl>
+                                          <p:spTgt spid="3">
+                                            <p:txEl>
+                                              <p:pRg st="2" end="2"/>
+                                            </p:txEl>
+                                          </p:spTgt>
+                                        </p:tgtEl>
+                                        <p:attrNameLst>
+                                          <p:attrName>style.visibility</p:attrName>
+                                        </p:attrNameLst>
+                                      </p:cBhvr>
+                                      <p:to>
+                                        <p:strVal val="visible"/>
+                                      </p:to>
+                                    </p:set>
+                                    <p:animEffect transition="in" filter="fade">
+                                      <p:cBhvr>
+                                        <p:cTn id="7" dur="500"/>
+                                        <p:tgtEl>
+                                          <p:spTgt spid="3">
+                                            <p:txEl>
+                                              <p:pRg st="2" end="2"/>
+                                            </p:txEl>
+                                          </p:spTgt>
+                                        </p:tgtEl>
+                                      </p:cBhvr>
+                                    </p:animEffect>
+                                  </p:childTnLst>
+                                </p:cTn>
+                              </p:par>
+                            </p:childTnLst>
+                          </p:cTn>
+                        </p:par>
+                      </p:childTnLst>
+                    </p:cTn>
+                  </p:par>
+                  <p:par>
+                    <p:cTn id="8" fill="hold">
+                      <p:stCondLst>
+                        <p:cond delay="indefinite"/>
+                      </p:stCondLst>
+                      <p:childTnLst>
+                        <p:par>
+                          <p:cTn id="9" fill="hold">
+                            <p:stCondLst>
+                              <p:cond delay="0"/>
+                            </p:stCondLst>
+                            <p:childTnLst>
+                              <p:par>
+                                <p:cTn id="10" presetID="10" presetClass="entr" presetSubtype="0" fill="hold" nodeType="clickEffect">
+                                  <p:stCondLst>
+                                    <p:cond delay="0"/>
+                                  </p:stCondLst>
+                                  <p:childTnLst>
+                                    <p:set>
+                                      <p:cBhvr>
+                                        <p:cTn id="11" dur="1" fill="hold">
+                                          <p:stCondLst>
+                                            <p:cond delay="0"/>
+                                          </p:stCondLst>
+                                        </p:cTn>
+                                        <p:tgtEl>
+                                          <p:spTgt spid="3">
+                                            <p:txEl>
+                                              <p:pRg st="4" end="4"/>
+                                            </p:txEl>
+                                          </p:spTgt>
+                                        </p:tgtEl>
+                                        <p:attrNameLst>
+                                          <p:attrName>style.visibility</p:attrName>
+                                        </p:attrNameLst>
+                                      </p:cBhvr>
+                                      <p:to>
+                                        <p:strVal val="visible"/>
+                                      </p:to>
+                                    </p:set>
+                                    <p:animEffect transition="in" filter="fade">
+                                      <p:cBhvr>
+                                        <p:cTn id="12" dur="500"/>
+                                        <p:tgtEl>
+                                          <p:spTgt spid="3">
+                                            <p:txEl>
+                                              <p:pRg st="4" end="4"/>
+                                            </p:txEl>
+                                          </p:spTgt>
+                                        </p:tgtEl>
+                                      </p:cBhvr>
+                                    </p:animEffect>
+                                  </p:childTnLst>
+                                </p:cTn>
+                              </p:par>
+                            </p:childTnLst>
+                          </p:cTn>
+                        </p:par>
+                      </p:childTnLst>
+                    </p:cTn>
+                  </p:par>
+                </p:childTnLst>
+              </p:cTn>
+              <p:prevCondLst>
+                <p:cond evt="onPrev" delay="0">
+                  <p:tgtEl>
+                    <p:sldTgt/>
+                  </p:tgtEl>
+                </p:cond>
+              </p:prevCondLst>
+              <p:nextCondLst>
+                <p:cond evt="onNext" delay="0">
+                  <p:tgtEl>
+                    <p:sldTgt/>
+                  </p:tgtEl>
+                </p:cond>
+              </p:nextCondLst>
+            </p:seq>
+          </p:childTnLst>
+        </p:cTn>
+      </p:par>
+    </p:tnLst>
+  </p:timing>
 </p:sld>
 </file>
 
@@ -17340,11 +18817,163 @@
       <p:transition/>
     </mc:Fallback>
   </mc:AlternateContent>
+  <p:timing>
+    <p:tnLst>
+      <p:par>
+        <p:cTn id="1" dur="indefinite" restart="never" nodeType="tmRoot">
+          <p:childTnLst>
+            <p:seq concurrent="1" nextAc="seek">
+              <p:cTn id="2" dur="indefinite" nodeType="mainSeq">
+                <p:childTnLst>
+                  <p:par>
+                    <p:cTn id="3" fill="hold">
+                      <p:stCondLst>
+                        <p:cond delay="indefinite"/>
+                      </p:stCondLst>
+                      <p:childTnLst>
+                        <p:par>
+                          <p:cTn id="4" fill="hold">
+                            <p:stCondLst>
+                              <p:cond delay="0"/>
+                            </p:stCondLst>
+                            <p:childTnLst>
+                              <p:par>
+                                <p:cTn id="5" presetID="10" presetClass="entr" presetSubtype="0" fill="hold" nodeType="clickEffect">
+                                  <p:stCondLst>
+                                    <p:cond delay="0"/>
+                                  </p:stCondLst>
+                                  <p:childTnLst>
+                                    <p:set>
+                                      <p:cBhvr>
+                                        <p:cTn id="6" dur="1" fill="hold">
+                                          <p:stCondLst>
+                                            <p:cond delay="0"/>
+                                          </p:stCondLst>
+                                        </p:cTn>
+                                        <p:tgtEl>
+                                          <p:spTgt spid="3">
+                                            <p:txEl>
+                                              <p:pRg st="0" end="0"/>
+                                            </p:txEl>
+                                          </p:spTgt>
+                                        </p:tgtEl>
+                                        <p:attrNameLst>
+                                          <p:attrName>style.visibility</p:attrName>
+                                        </p:attrNameLst>
+                                      </p:cBhvr>
+                                      <p:to>
+                                        <p:strVal val="visible"/>
+                                      </p:to>
+                                    </p:set>
+                                    <p:animEffect transition="in" filter="fade">
+                                      <p:cBhvr>
+                                        <p:cTn id="7" dur="500"/>
+                                        <p:tgtEl>
+                                          <p:spTgt spid="3">
+                                            <p:txEl>
+                                              <p:pRg st="0" end="0"/>
+                                            </p:txEl>
+                                          </p:spTgt>
+                                        </p:tgtEl>
+                                      </p:cBhvr>
+                                    </p:animEffect>
+                                  </p:childTnLst>
+                                </p:cTn>
+                              </p:par>
+                            </p:childTnLst>
+                          </p:cTn>
+                        </p:par>
+                      </p:childTnLst>
+                    </p:cTn>
+                  </p:par>
+                  <p:par>
+                    <p:cTn id="8" fill="hold">
+                      <p:stCondLst>
+                        <p:cond delay="indefinite"/>
+                      </p:stCondLst>
+                      <p:childTnLst>
+                        <p:par>
+                          <p:cTn id="9" fill="hold">
+                            <p:stCondLst>
+                              <p:cond delay="0"/>
+                            </p:stCondLst>
+                            <p:childTnLst>
+                              <p:par>
+                                <p:cTn id="10" presetID="10" presetClass="entr" presetSubtype="0" fill="hold" nodeType="clickEffect">
+                                  <p:stCondLst>
+                                    <p:cond delay="0"/>
+                                  </p:stCondLst>
+                                  <p:childTnLst>
+                                    <p:set>
+                                      <p:cBhvr>
+                                        <p:cTn id="11" dur="1" fill="hold">
+                                          <p:stCondLst>
+                                            <p:cond delay="0"/>
+                                          </p:stCondLst>
+                                        </p:cTn>
+                                        <p:tgtEl>
+                                          <p:spTgt spid="3">
+                                            <p:txEl>
+                                              <p:pRg st="2" end="2"/>
+                                            </p:txEl>
+                                          </p:spTgt>
+                                        </p:tgtEl>
+                                        <p:attrNameLst>
+                                          <p:attrName>style.visibility</p:attrName>
+                                        </p:attrNameLst>
+                                      </p:cBhvr>
+                                      <p:to>
+                                        <p:strVal val="visible"/>
+                                      </p:to>
+                                    </p:set>
+                                    <p:animEffect transition="in" filter="fade">
+                                      <p:cBhvr>
+                                        <p:cTn id="12" dur="500"/>
+                                        <p:tgtEl>
+                                          <p:spTgt spid="3">
+                                            <p:txEl>
+                                              <p:pRg st="2" end="2"/>
+                                            </p:txEl>
+                                          </p:spTgt>
+                                        </p:tgtEl>
+                                      </p:cBhvr>
+                                    </p:animEffect>
+                                  </p:childTnLst>
+                                </p:cTn>
+                              </p:par>
+                            </p:childTnLst>
+                          </p:cTn>
+                        </p:par>
+                      </p:childTnLst>
+                    </p:cTn>
+                  </p:par>
+                </p:childTnLst>
+              </p:cTn>
+              <p:prevCondLst>
+                <p:cond evt="onPrev" delay="0">
+                  <p:tgtEl>
+                    <p:sldTgt/>
+                  </p:tgtEl>
+                </p:cond>
+              </p:prevCondLst>
+              <p:nextCondLst>
+                <p:cond evt="onNext" delay="0">
+                  <p:tgtEl>
+                    <p:sldTgt/>
+                  </p:tgtEl>
+                </p:cond>
+              </p:nextCondLst>
+            </p:seq>
+          </p:childTnLst>
+        </p:cTn>
+      </p:par>
+    </p:tnLst>
+  </p:timing>
 </p:sld>
 </file>
 
 <file path=ppt/slides/slide2.xml><?xml version="1.0" encoding="utf-8"?>
-<p:sld xmlns:a="http://schemas.openxmlformats.org/drawingml/2006/main" xmlns:r="http://schemas.openxmlformats.org/officeDocument/2006/relationships" xmlns:p="http://schemas.openxmlformats.org/presentationml/2006/main">
+<p:sld xmlns:a="http://schemas.openxmlformats.org/drawingml/2006/main" xmlns:r="http://schemas.openxmlformats.org/officeDocument/2006/relationships" xmlns:p="http://schemas.openxmlformats.org/presentationml/2006/main" show="0">
   <p:cSld>
     <p:bg>
       <p:bgPr>
@@ -17594,6 +19223,549 @@
       <p:transition/>
     </mc:Fallback>
   </mc:AlternateContent>
+  <p:timing>
+    <p:tnLst>
+      <p:par>
+        <p:cTn id="1" dur="indefinite" restart="never" nodeType="tmRoot">
+          <p:childTnLst>
+            <p:seq concurrent="1" nextAc="seek">
+              <p:cTn id="2" dur="indefinite" nodeType="mainSeq">
+                <p:childTnLst>
+                  <p:par>
+                    <p:cTn id="3" fill="hold">
+                      <p:stCondLst>
+                        <p:cond delay="indefinite"/>
+                      </p:stCondLst>
+                      <p:childTnLst>
+                        <p:par>
+                          <p:cTn id="4" fill="hold">
+                            <p:stCondLst>
+                              <p:cond delay="0"/>
+                            </p:stCondLst>
+                            <p:childTnLst>
+                              <p:par>
+                                <p:cTn id="5" presetID="10" presetClass="entr" presetSubtype="0" fill="hold" nodeType="clickEffect">
+                                  <p:stCondLst>
+                                    <p:cond delay="0"/>
+                                  </p:stCondLst>
+                                  <p:childTnLst>
+                                    <p:set>
+                                      <p:cBhvr>
+                                        <p:cTn id="6" dur="1" fill="hold">
+                                          <p:stCondLst>
+                                            <p:cond delay="0"/>
+                                          </p:stCondLst>
+                                        </p:cTn>
+                                        <p:tgtEl>
+                                          <p:spTgt spid="9">
+                                            <p:txEl>
+                                              <p:pRg st="0" end="0"/>
+                                            </p:txEl>
+                                          </p:spTgt>
+                                        </p:tgtEl>
+                                        <p:attrNameLst>
+                                          <p:attrName>style.visibility</p:attrName>
+                                        </p:attrNameLst>
+                                      </p:cBhvr>
+                                      <p:to>
+                                        <p:strVal val="visible"/>
+                                      </p:to>
+                                    </p:set>
+                                    <p:animEffect transition="in" filter="fade">
+                                      <p:cBhvr>
+                                        <p:cTn id="7" dur="500"/>
+                                        <p:tgtEl>
+                                          <p:spTgt spid="9">
+                                            <p:txEl>
+                                              <p:pRg st="0" end="0"/>
+                                            </p:txEl>
+                                          </p:spTgt>
+                                        </p:tgtEl>
+                                      </p:cBhvr>
+                                    </p:animEffect>
+                                  </p:childTnLst>
+                                </p:cTn>
+                              </p:par>
+                              <p:par>
+                                <p:cTn id="8" presetID="10" presetClass="entr" presetSubtype="0" fill="hold" nodeType="withEffect">
+                                  <p:stCondLst>
+                                    <p:cond delay="0"/>
+                                  </p:stCondLst>
+                                  <p:childTnLst>
+                                    <p:set>
+                                      <p:cBhvr>
+                                        <p:cTn id="9" dur="1" fill="hold">
+                                          <p:stCondLst>
+                                            <p:cond delay="0"/>
+                                          </p:stCondLst>
+                                        </p:cTn>
+                                        <p:tgtEl>
+                                          <p:spTgt spid="9">
+                                            <p:txEl>
+                                              <p:pRg st="1" end="1"/>
+                                            </p:txEl>
+                                          </p:spTgt>
+                                        </p:tgtEl>
+                                        <p:attrNameLst>
+                                          <p:attrName>style.visibility</p:attrName>
+                                        </p:attrNameLst>
+                                      </p:cBhvr>
+                                      <p:to>
+                                        <p:strVal val="visible"/>
+                                      </p:to>
+                                    </p:set>
+                                    <p:animEffect transition="in" filter="fade">
+                                      <p:cBhvr>
+                                        <p:cTn id="10" dur="500"/>
+                                        <p:tgtEl>
+                                          <p:spTgt spid="9">
+                                            <p:txEl>
+                                              <p:pRg st="1" end="1"/>
+                                            </p:txEl>
+                                          </p:spTgt>
+                                        </p:tgtEl>
+                                      </p:cBhvr>
+                                    </p:animEffect>
+                                  </p:childTnLst>
+                                </p:cTn>
+                              </p:par>
+                            </p:childTnLst>
+                          </p:cTn>
+                        </p:par>
+                      </p:childTnLst>
+                    </p:cTn>
+                  </p:par>
+                  <p:par>
+                    <p:cTn id="11" fill="hold">
+                      <p:stCondLst>
+                        <p:cond delay="indefinite"/>
+                      </p:stCondLst>
+                      <p:childTnLst>
+                        <p:par>
+                          <p:cTn id="12" fill="hold">
+                            <p:stCondLst>
+                              <p:cond delay="0"/>
+                            </p:stCondLst>
+                            <p:childTnLst>
+                              <p:par>
+                                <p:cTn id="13" presetID="10" presetClass="entr" presetSubtype="0" fill="hold" nodeType="clickEffect">
+                                  <p:stCondLst>
+                                    <p:cond delay="0"/>
+                                  </p:stCondLst>
+                                  <p:childTnLst>
+                                    <p:set>
+                                      <p:cBhvr>
+                                        <p:cTn id="14" dur="1" fill="hold">
+                                          <p:stCondLst>
+                                            <p:cond delay="0"/>
+                                          </p:stCondLst>
+                                        </p:cTn>
+                                        <p:tgtEl>
+                                          <p:spTgt spid="9">
+                                            <p:txEl>
+                                              <p:pRg st="2" end="2"/>
+                                            </p:txEl>
+                                          </p:spTgt>
+                                        </p:tgtEl>
+                                        <p:attrNameLst>
+                                          <p:attrName>style.visibility</p:attrName>
+                                        </p:attrNameLst>
+                                      </p:cBhvr>
+                                      <p:to>
+                                        <p:strVal val="visible"/>
+                                      </p:to>
+                                    </p:set>
+                                    <p:animEffect transition="in" filter="fade">
+                                      <p:cBhvr>
+                                        <p:cTn id="15" dur="500"/>
+                                        <p:tgtEl>
+                                          <p:spTgt spid="9">
+                                            <p:txEl>
+                                              <p:pRg st="2" end="2"/>
+                                            </p:txEl>
+                                          </p:spTgt>
+                                        </p:tgtEl>
+                                      </p:cBhvr>
+                                    </p:animEffect>
+                                  </p:childTnLst>
+                                </p:cTn>
+                              </p:par>
+                              <p:par>
+                                <p:cTn id="16" presetID="10" presetClass="entr" presetSubtype="0" fill="hold" nodeType="withEffect">
+                                  <p:stCondLst>
+                                    <p:cond delay="0"/>
+                                  </p:stCondLst>
+                                  <p:childTnLst>
+                                    <p:set>
+                                      <p:cBhvr>
+                                        <p:cTn id="17" dur="1" fill="hold">
+                                          <p:stCondLst>
+                                            <p:cond delay="0"/>
+                                          </p:stCondLst>
+                                        </p:cTn>
+                                        <p:tgtEl>
+                                          <p:spTgt spid="9">
+                                            <p:txEl>
+                                              <p:pRg st="3" end="3"/>
+                                            </p:txEl>
+                                          </p:spTgt>
+                                        </p:tgtEl>
+                                        <p:attrNameLst>
+                                          <p:attrName>style.visibility</p:attrName>
+                                        </p:attrNameLst>
+                                      </p:cBhvr>
+                                      <p:to>
+                                        <p:strVal val="visible"/>
+                                      </p:to>
+                                    </p:set>
+                                    <p:animEffect transition="in" filter="fade">
+                                      <p:cBhvr>
+                                        <p:cTn id="18" dur="500"/>
+                                        <p:tgtEl>
+                                          <p:spTgt spid="9">
+                                            <p:txEl>
+                                              <p:pRg st="3" end="3"/>
+                                            </p:txEl>
+                                          </p:spTgt>
+                                        </p:tgtEl>
+                                      </p:cBhvr>
+                                    </p:animEffect>
+                                  </p:childTnLst>
+                                </p:cTn>
+                              </p:par>
+                            </p:childTnLst>
+                          </p:cTn>
+                        </p:par>
+                      </p:childTnLst>
+                    </p:cTn>
+                  </p:par>
+                  <p:par>
+                    <p:cTn id="19" fill="hold">
+                      <p:stCondLst>
+                        <p:cond delay="indefinite"/>
+                      </p:stCondLst>
+                      <p:childTnLst>
+                        <p:par>
+                          <p:cTn id="20" fill="hold">
+                            <p:stCondLst>
+                              <p:cond delay="0"/>
+                            </p:stCondLst>
+                            <p:childTnLst>
+                              <p:par>
+                                <p:cTn id="21" presetID="10" presetClass="entr" presetSubtype="0" fill="hold" nodeType="clickEffect">
+                                  <p:stCondLst>
+                                    <p:cond delay="0"/>
+                                  </p:stCondLst>
+                                  <p:childTnLst>
+                                    <p:set>
+                                      <p:cBhvr>
+                                        <p:cTn id="22" dur="1" fill="hold">
+                                          <p:stCondLst>
+                                            <p:cond delay="0"/>
+                                          </p:stCondLst>
+                                        </p:cTn>
+                                        <p:tgtEl>
+                                          <p:spTgt spid="9">
+                                            <p:txEl>
+                                              <p:pRg st="4" end="4"/>
+                                            </p:txEl>
+                                          </p:spTgt>
+                                        </p:tgtEl>
+                                        <p:attrNameLst>
+                                          <p:attrName>style.visibility</p:attrName>
+                                        </p:attrNameLst>
+                                      </p:cBhvr>
+                                      <p:to>
+                                        <p:strVal val="visible"/>
+                                      </p:to>
+                                    </p:set>
+                                    <p:animEffect transition="in" filter="fade">
+                                      <p:cBhvr>
+                                        <p:cTn id="23" dur="500"/>
+                                        <p:tgtEl>
+                                          <p:spTgt spid="9">
+                                            <p:txEl>
+                                              <p:pRg st="4" end="4"/>
+                                            </p:txEl>
+                                          </p:spTgt>
+                                        </p:tgtEl>
+                                      </p:cBhvr>
+                                    </p:animEffect>
+                                  </p:childTnLst>
+                                </p:cTn>
+                              </p:par>
+                            </p:childTnLst>
+                          </p:cTn>
+                        </p:par>
+                      </p:childTnLst>
+                    </p:cTn>
+                  </p:par>
+                  <p:par>
+                    <p:cTn id="24" fill="hold">
+                      <p:stCondLst>
+                        <p:cond delay="indefinite"/>
+                      </p:stCondLst>
+                      <p:childTnLst>
+                        <p:par>
+                          <p:cTn id="25" fill="hold">
+                            <p:stCondLst>
+                              <p:cond delay="0"/>
+                            </p:stCondLst>
+                            <p:childTnLst>
+                              <p:par>
+                                <p:cTn id="26" presetID="10" presetClass="entr" presetSubtype="0" fill="hold" nodeType="clickEffect">
+                                  <p:stCondLst>
+                                    <p:cond delay="0"/>
+                                  </p:stCondLst>
+                                  <p:childTnLst>
+                                    <p:set>
+                                      <p:cBhvr>
+                                        <p:cTn id="27" dur="1" fill="hold">
+                                          <p:stCondLst>
+                                            <p:cond delay="0"/>
+                                          </p:stCondLst>
+                                        </p:cTn>
+                                        <p:tgtEl>
+                                          <p:spTgt spid="9">
+                                            <p:txEl>
+                                              <p:pRg st="5" end="5"/>
+                                            </p:txEl>
+                                          </p:spTgt>
+                                        </p:tgtEl>
+                                        <p:attrNameLst>
+                                          <p:attrName>style.visibility</p:attrName>
+                                        </p:attrNameLst>
+                                      </p:cBhvr>
+                                      <p:to>
+                                        <p:strVal val="visible"/>
+                                      </p:to>
+                                    </p:set>
+                                    <p:animEffect transition="in" filter="fade">
+                                      <p:cBhvr>
+                                        <p:cTn id="28" dur="500"/>
+                                        <p:tgtEl>
+                                          <p:spTgt spid="9">
+                                            <p:txEl>
+                                              <p:pRg st="5" end="5"/>
+                                            </p:txEl>
+                                          </p:spTgt>
+                                        </p:tgtEl>
+                                      </p:cBhvr>
+                                    </p:animEffect>
+                                  </p:childTnLst>
+                                </p:cTn>
+                              </p:par>
+                            </p:childTnLst>
+                          </p:cTn>
+                        </p:par>
+                      </p:childTnLst>
+                    </p:cTn>
+                  </p:par>
+                  <p:par>
+                    <p:cTn id="29" fill="hold">
+                      <p:stCondLst>
+                        <p:cond delay="indefinite"/>
+                      </p:stCondLst>
+                      <p:childTnLst>
+                        <p:par>
+                          <p:cTn id="30" fill="hold">
+                            <p:stCondLst>
+                              <p:cond delay="0"/>
+                            </p:stCondLst>
+                            <p:childTnLst>
+                              <p:par>
+                                <p:cTn id="31" presetID="10" presetClass="entr" presetSubtype="0" fill="hold" nodeType="clickEffect">
+                                  <p:stCondLst>
+                                    <p:cond delay="0"/>
+                                  </p:stCondLst>
+                                  <p:childTnLst>
+                                    <p:set>
+                                      <p:cBhvr>
+                                        <p:cTn id="32" dur="1" fill="hold">
+                                          <p:stCondLst>
+                                            <p:cond delay="0"/>
+                                          </p:stCondLst>
+                                        </p:cTn>
+                                        <p:tgtEl>
+                                          <p:spTgt spid="9">
+                                            <p:txEl>
+                                              <p:pRg st="6" end="6"/>
+                                            </p:txEl>
+                                          </p:spTgt>
+                                        </p:tgtEl>
+                                        <p:attrNameLst>
+                                          <p:attrName>style.visibility</p:attrName>
+                                        </p:attrNameLst>
+                                      </p:cBhvr>
+                                      <p:to>
+                                        <p:strVal val="visible"/>
+                                      </p:to>
+                                    </p:set>
+                                    <p:animEffect transition="in" filter="fade">
+                                      <p:cBhvr>
+                                        <p:cTn id="33" dur="500"/>
+                                        <p:tgtEl>
+                                          <p:spTgt spid="9">
+                                            <p:txEl>
+                                              <p:pRg st="6" end="6"/>
+                                            </p:txEl>
+                                          </p:spTgt>
+                                        </p:tgtEl>
+                                      </p:cBhvr>
+                                    </p:animEffect>
+                                  </p:childTnLst>
+                                </p:cTn>
+                              </p:par>
+                            </p:childTnLst>
+                          </p:cTn>
+                        </p:par>
+                      </p:childTnLst>
+                    </p:cTn>
+                  </p:par>
+                  <p:par>
+                    <p:cTn id="34" fill="hold">
+                      <p:stCondLst>
+                        <p:cond delay="indefinite"/>
+                      </p:stCondLst>
+                      <p:childTnLst>
+                        <p:par>
+                          <p:cTn id="35" fill="hold">
+                            <p:stCondLst>
+                              <p:cond delay="0"/>
+                            </p:stCondLst>
+                            <p:childTnLst>
+                              <p:par>
+                                <p:cTn id="36" presetID="10" presetClass="entr" presetSubtype="0" fill="hold" nodeType="clickEffect">
+                                  <p:stCondLst>
+                                    <p:cond delay="0"/>
+                                  </p:stCondLst>
+                                  <p:childTnLst>
+                                    <p:set>
+                                      <p:cBhvr>
+                                        <p:cTn id="37" dur="1" fill="hold">
+                                          <p:stCondLst>
+                                            <p:cond delay="0"/>
+                                          </p:stCondLst>
+                                        </p:cTn>
+                                        <p:tgtEl>
+                                          <p:spTgt spid="9">
+                                            <p:txEl>
+                                              <p:pRg st="7" end="7"/>
+                                            </p:txEl>
+                                          </p:spTgt>
+                                        </p:tgtEl>
+                                        <p:attrNameLst>
+                                          <p:attrName>style.visibility</p:attrName>
+                                        </p:attrNameLst>
+                                      </p:cBhvr>
+                                      <p:to>
+                                        <p:strVal val="visible"/>
+                                      </p:to>
+                                    </p:set>
+                                    <p:animEffect transition="in" filter="fade">
+                                      <p:cBhvr>
+                                        <p:cTn id="38" dur="500"/>
+                                        <p:tgtEl>
+                                          <p:spTgt spid="9">
+                                            <p:txEl>
+                                              <p:pRg st="7" end="7"/>
+                                            </p:txEl>
+                                          </p:spTgt>
+                                        </p:tgtEl>
+                                      </p:cBhvr>
+                                    </p:animEffect>
+                                  </p:childTnLst>
+                                </p:cTn>
+                              </p:par>
+                            </p:childTnLst>
+                          </p:cTn>
+                        </p:par>
+                      </p:childTnLst>
+                    </p:cTn>
+                  </p:par>
+                  <p:par>
+                    <p:cTn id="39" fill="hold">
+                      <p:stCondLst>
+                        <p:cond delay="indefinite"/>
+                      </p:stCondLst>
+                      <p:childTnLst>
+                        <p:par>
+                          <p:cTn id="40" fill="hold">
+                            <p:stCondLst>
+                              <p:cond delay="0"/>
+                            </p:stCondLst>
+                            <p:childTnLst>
+                              <p:par>
+                                <p:cTn id="41" presetID="10" presetClass="entr" presetSubtype="0" fill="hold" nodeType="clickEffect">
+                                  <p:stCondLst>
+                                    <p:cond delay="0"/>
+                                  </p:stCondLst>
+                                  <p:childTnLst>
+                                    <p:set>
+                                      <p:cBhvr>
+                                        <p:cTn id="42" dur="1" fill="hold">
+                                          <p:stCondLst>
+                                            <p:cond delay="0"/>
+                                          </p:stCondLst>
+                                        </p:cTn>
+                                        <p:tgtEl>
+                                          <p:spTgt spid="9">
+                                            <p:txEl>
+                                              <p:pRg st="8" end="8"/>
+                                            </p:txEl>
+                                          </p:spTgt>
+                                        </p:tgtEl>
+                                        <p:attrNameLst>
+                                          <p:attrName>style.visibility</p:attrName>
+                                        </p:attrNameLst>
+                                      </p:cBhvr>
+                                      <p:to>
+                                        <p:strVal val="visible"/>
+                                      </p:to>
+                                    </p:set>
+                                    <p:animEffect transition="in" filter="fade">
+                                      <p:cBhvr>
+                                        <p:cTn id="43" dur="500"/>
+                                        <p:tgtEl>
+                                          <p:spTgt spid="9">
+                                            <p:txEl>
+                                              <p:pRg st="8" end="8"/>
+                                            </p:txEl>
+                                          </p:spTgt>
+                                        </p:tgtEl>
+                                      </p:cBhvr>
+                                    </p:animEffect>
+                                  </p:childTnLst>
+                                </p:cTn>
+                              </p:par>
+                            </p:childTnLst>
+                          </p:cTn>
+                        </p:par>
+                      </p:childTnLst>
+                    </p:cTn>
+                  </p:par>
+                </p:childTnLst>
+              </p:cTn>
+              <p:prevCondLst>
+                <p:cond evt="onPrev" delay="0">
+                  <p:tgtEl>
+                    <p:sldTgt/>
+                  </p:tgtEl>
+                </p:cond>
+              </p:prevCondLst>
+              <p:nextCondLst>
+                <p:cond evt="onNext" delay="0">
+                  <p:tgtEl>
+                    <p:sldTgt/>
+                  </p:tgtEl>
+                </p:cond>
+              </p:nextCondLst>
+            </p:seq>
+          </p:childTnLst>
+        </p:cTn>
+      </p:par>
+    </p:tnLst>
+  </p:timing>
 </p:sld>
 </file>
 
@@ -17861,6 +20033,219 @@
       <p:transition/>
     </mc:Fallback>
   </mc:AlternateContent>
+  <p:timing>
+    <p:tnLst>
+      <p:par>
+        <p:cTn id="1" dur="indefinite" restart="never" nodeType="tmRoot">
+          <p:childTnLst>
+            <p:seq concurrent="1" nextAc="seek">
+              <p:cTn id="2" dur="indefinite" nodeType="mainSeq">
+                <p:childTnLst>
+                  <p:par>
+                    <p:cTn id="3" fill="hold">
+                      <p:stCondLst>
+                        <p:cond delay="indefinite"/>
+                      </p:stCondLst>
+                      <p:childTnLst>
+                        <p:par>
+                          <p:cTn id="4" fill="hold">
+                            <p:stCondLst>
+                              <p:cond delay="0"/>
+                            </p:stCondLst>
+                            <p:childTnLst>
+                              <p:par>
+                                <p:cTn id="5" presetID="10" presetClass="entr" presetSubtype="0" fill="hold" nodeType="clickEffect">
+                                  <p:stCondLst>
+                                    <p:cond delay="0"/>
+                                  </p:stCondLst>
+                                  <p:childTnLst>
+                                    <p:set>
+                                      <p:cBhvr>
+                                        <p:cTn id="6" dur="1" fill="hold">
+                                          <p:stCondLst>
+                                            <p:cond delay="0"/>
+                                          </p:stCondLst>
+                                        </p:cTn>
+                                        <p:tgtEl>
+                                          <p:spTgt spid="3">
+                                            <p:txEl>
+                                              <p:pRg st="1" end="1"/>
+                                            </p:txEl>
+                                          </p:spTgt>
+                                        </p:tgtEl>
+                                        <p:attrNameLst>
+                                          <p:attrName>style.visibility</p:attrName>
+                                        </p:attrNameLst>
+                                      </p:cBhvr>
+                                      <p:to>
+                                        <p:strVal val="visible"/>
+                                      </p:to>
+                                    </p:set>
+                                    <p:animEffect transition="in" filter="fade">
+                                      <p:cBhvr>
+                                        <p:cTn id="7" dur="500"/>
+                                        <p:tgtEl>
+                                          <p:spTgt spid="3">
+                                            <p:txEl>
+                                              <p:pRg st="1" end="1"/>
+                                            </p:txEl>
+                                          </p:spTgt>
+                                        </p:tgtEl>
+                                      </p:cBhvr>
+                                    </p:animEffect>
+                                  </p:childTnLst>
+                                </p:cTn>
+                              </p:par>
+                            </p:childTnLst>
+                          </p:cTn>
+                        </p:par>
+                      </p:childTnLst>
+                    </p:cTn>
+                  </p:par>
+                  <p:par>
+                    <p:cTn id="8" fill="hold">
+                      <p:stCondLst>
+                        <p:cond delay="indefinite"/>
+                      </p:stCondLst>
+                      <p:childTnLst>
+                        <p:par>
+                          <p:cTn id="9" fill="hold">
+                            <p:stCondLst>
+                              <p:cond delay="0"/>
+                            </p:stCondLst>
+                            <p:childTnLst>
+                              <p:par>
+                                <p:cTn id="10" presetID="10" presetClass="entr" presetSubtype="0" fill="hold" nodeType="clickEffect">
+                                  <p:stCondLst>
+                                    <p:cond delay="0"/>
+                                  </p:stCondLst>
+                                  <p:childTnLst>
+                                    <p:set>
+                                      <p:cBhvr>
+                                        <p:cTn id="11" dur="1" fill="hold">
+                                          <p:stCondLst>
+                                            <p:cond delay="0"/>
+                                          </p:stCondLst>
+                                        </p:cTn>
+                                        <p:tgtEl>
+                                          <p:spTgt spid="3">
+                                            <p:txEl>
+                                              <p:pRg st="2" end="2"/>
+                                            </p:txEl>
+                                          </p:spTgt>
+                                        </p:tgtEl>
+                                        <p:attrNameLst>
+                                          <p:attrName>style.visibility</p:attrName>
+                                        </p:attrNameLst>
+                                      </p:cBhvr>
+                                      <p:to>
+                                        <p:strVal val="visible"/>
+                                      </p:to>
+                                    </p:set>
+                                    <p:animEffect transition="in" filter="fade">
+                                      <p:cBhvr>
+                                        <p:cTn id="12" dur="500"/>
+                                        <p:tgtEl>
+                                          <p:spTgt spid="3">
+                                            <p:txEl>
+                                              <p:pRg st="2" end="2"/>
+                                            </p:txEl>
+                                          </p:spTgt>
+                                        </p:tgtEl>
+                                      </p:cBhvr>
+                                    </p:animEffect>
+                                  </p:childTnLst>
+                                </p:cTn>
+                              </p:par>
+                            </p:childTnLst>
+                          </p:cTn>
+                        </p:par>
+                      </p:childTnLst>
+                    </p:cTn>
+                  </p:par>
+                  <p:par>
+                    <p:cTn id="13" fill="hold">
+                      <p:stCondLst>
+                        <p:cond delay="indefinite"/>
+                      </p:stCondLst>
+                      <p:childTnLst>
+                        <p:par>
+                          <p:cTn id="14" fill="hold">
+                            <p:stCondLst>
+                              <p:cond delay="0"/>
+                            </p:stCondLst>
+                            <p:childTnLst>
+                              <p:par>
+                                <p:cTn id="15" presetID="10" presetClass="entr" presetSubtype="0" fill="hold" nodeType="clickEffect">
+                                  <p:stCondLst>
+                                    <p:cond delay="0"/>
+                                  </p:stCondLst>
+                                  <p:childTnLst>
+                                    <p:set>
+                                      <p:cBhvr>
+                                        <p:cTn id="16" dur="1" fill="hold">
+                                          <p:stCondLst>
+                                            <p:cond delay="0"/>
+                                          </p:stCondLst>
+                                        </p:cTn>
+                                        <p:tgtEl>
+                                          <p:spTgt spid="3">
+                                            <p:txEl>
+                                              <p:pRg st="3" end="3"/>
+                                            </p:txEl>
+                                          </p:spTgt>
+                                        </p:tgtEl>
+                                        <p:attrNameLst>
+                                          <p:attrName>style.visibility</p:attrName>
+                                        </p:attrNameLst>
+                                      </p:cBhvr>
+                                      <p:to>
+                                        <p:strVal val="visible"/>
+                                      </p:to>
+                                    </p:set>
+                                    <p:animEffect transition="in" filter="fade">
+                                      <p:cBhvr>
+                                        <p:cTn id="17" dur="500"/>
+                                        <p:tgtEl>
+                                          <p:spTgt spid="3">
+                                            <p:txEl>
+                                              <p:pRg st="3" end="3"/>
+                                            </p:txEl>
+                                          </p:spTgt>
+                                        </p:tgtEl>
+                                      </p:cBhvr>
+                                    </p:animEffect>
+                                  </p:childTnLst>
+                                </p:cTn>
+                              </p:par>
+                            </p:childTnLst>
+                          </p:cTn>
+                        </p:par>
+                      </p:childTnLst>
+                    </p:cTn>
+                  </p:par>
+                </p:childTnLst>
+              </p:cTn>
+              <p:prevCondLst>
+                <p:cond evt="onPrev" delay="0">
+                  <p:tgtEl>
+                    <p:sldTgt/>
+                  </p:tgtEl>
+                </p:cond>
+              </p:prevCondLst>
+              <p:nextCondLst>
+                <p:cond evt="onNext" delay="0">
+                  <p:tgtEl>
+                    <p:sldTgt/>
+                  </p:tgtEl>
+                </p:cond>
+              </p:nextCondLst>
+            </p:seq>
+          </p:childTnLst>
+        </p:cTn>
+      </p:par>
+    </p:tnLst>
+  </p:timing>
 </p:sld>
 </file>
 
@@ -17987,6 +20372,97 @@
       <p:transition/>
     </mc:Fallback>
   </mc:AlternateContent>
+  <p:timing>
+    <p:tnLst>
+      <p:par>
+        <p:cTn id="1" dur="indefinite" restart="never" nodeType="tmRoot">
+          <p:childTnLst>
+            <p:seq concurrent="1" nextAc="seek">
+              <p:cTn id="2" dur="indefinite" nodeType="mainSeq">
+                <p:childTnLst>
+                  <p:par>
+                    <p:cTn id="3" fill="hold">
+                      <p:stCondLst>
+                        <p:cond delay="indefinite"/>
+                      </p:stCondLst>
+                      <p:childTnLst>
+                        <p:par>
+                          <p:cTn id="4" fill="hold">
+                            <p:stCondLst>
+                              <p:cond delay="0"/>
+                            </p:stCondLst>
+                            <p:childTnLst>
+                              <p:par>
+                                <p:cTn id="5" presetID="10" presetClass="entr" presetSubtype="0" fill="hold" nodeType="clickEffect">
+                                  <p:stCondLst>
+                                    <p:cond delay="0"/>
+                                  </p:stCondLst>
+                                  <p:childTnLst>
+                                    <p:set>
+                                      <p:cBhvr>
+                                        <p:cTn id="6" dur="1" fill="hold">
+                                          <p:stCondLst>
+                                            <p:cond delay="0"/>
+                                          </p:stCondLst>
+                                        </p:cTn>
+                                        <p:tgtEl>
+                                          <p:spTgt spid="3">
+                                            <p:txEl>
+                                              <p:pRg st="2" end="2"/>
+                                            </p:txEl>
+                                          </p:spTgt>
+                                        </p:tgtEl>
+                                        <p:attrNameLst>
+                                          <p:attrName>style.visibility</p:attrName>
+                                        </p:attrNameLst>
+                                      </p:cBhvr>
+                                      <p:to>
+                                        <p:strVal val="visible"/>
+                                      </p:to>
+                                    </p:set>
+                                    <p:animEffect transition="in" filter="fade">
+                                      <p:cBhvr>
+                                        <p:cTn id="7" dur="500"/>
+                                        <p:tgtEl>
+                                          <p:spTgt spid="3">
+                                            <p:txEl>
+                                              <p:pRg st="2" end="2"/>
+                                            </p:txEl>
+                                          </p:spTgt>
+                                        </p:tgtEl>
+                                      </p:cBhvr>
+                                    </p:animEffect>
+                                  </p:childTnLst>
+                                </p:cTn>
+                              </p:par>
+                            </p:childTnLst>
+                          </p:cTn>
+                        </p:par>
+                      </p:childTnLst>
+                    </p:cTn>
+                  </p:par>
+                </p:childTnLst>
+              </p:cTn>
+              <p:prevCondLst>
+                <p:cond evt="onPrev" delay="0">
+                  <p:tgtEl>
+                    <p:sldTgt/>
+                  </p:tgtEl>
+                </p:cond>
+              </p:prevCondLst>
+              <p:nextCondLst>
+                <p:cond evt="onNext" delay="0">
+                  <p:tgtEl>
+                    <p:sldTgt/>
+                  </p:tgtEl>
+                </p:cond>
+              </p:nextCondLst>
+            </p:seq>
+          </p:childTnLst>
+        </p:cTn>
+      </p:par>
+    </p:tnLst>
+  </p:timing>
 </p:sld>
 </file>
 
@@ -18051,19 +20527,7 @@
               <a:rPr lang="en-US" sz="2800" dirty="0">
                 <a:latin typeface="+mn-lt"/>
               </a:rPr>
-              <a:t>Azure Cosmos DB supports multiple NoSQL data models; including supporting a MongoDB API. This provides compatibility for code written for MongoDB to communicate </a:t>
-            </a:r>
-            <a:r>
-              <a:rPr lang="en-US" sz="2800">
-                <a:latin typeface="+mn-lt"/>
-              </a:rPr>
-              <a:t>with Cosmos DB </a:t>
-            </a:r>
-            <a:r>
-              <a:rPr lang="en-US" sz="2800" dirty="0">
-                <a:latin typeface="+mn-lt"/>
-              </a:rPr>
-              <a:t>without code changes; for easier migration and interoperability.</a:t>
+              <a:t>Azure Cosmos DB supports multiple NoSQL data models; including supporting a MongoDB API. This provides compatibility for code written for MongoDB to communicate with Cosmos DB without code changes; for easier migration and interoperability.</a:t>
             </a:r>
           </a:p>
           <a:p>
@@ -18118,6 +20582,97 @@
   <p:transition>
     <p:fade/>
   </p:transition>
+  <p:timing>
+    <p:tnLst>
+      <p:par>
+        <p:cTn id="1" dur="indefinite" restart="never" nodeType="tmRoot">
+          <p:childTnLst>
+            <p:seq concurrent="1" nextAc="seek">
+              <p:cTn id="2" dur="indefinite" nodeType="mainSeq">
+                <p:childTnLst>
+                  <p:par>
+                    <p:cTn id="3" fill="hold">
+                      <p:stCondLst>
+                        <p:cond delay="indefinite"/>
+                      </p:stCondLst>
+                      <p:childTnLst>
+                        <p:par>
+                          <p:cTn id="4" fill="hold">
+                            <p:stCondLst>
+                              <p:cond delay="0"/>
+                            </p:stCondLst>
+                            <p:childTnLst>
+                              <p:par>
+                                <p:cTn id="5" presetID="10" presetClass="entr" presetSubtype="0" fill="hold" nodeType="clickEffect">
+                                  <p:stCondLst>
+                                    <p:cond delay="0"/>
+                                  </p:stCondLst>
+                                  <p:childTnLst>
+                                    <p:set>
+                                      <p:cBhvr>
+                                        <p:cTn id="6" dur="1" fill="hold">
+                                          <p:stCondLst>
+                                            <p:cond delay="0"/>
+                                          </p:stCondLst>
+                                        </p:cTn>
+                                        <p:tgtEl>
+                                          <p:spTgt spid="5">
+                                            <p:txEl>
+                                              <p:pRg st="2" end="2"/>
+                                            </p:txEl>
+                                          </p:spTgt>
+                                        </p:tgtEl>
+                                        <p:attrNameLst>
+                                          <p:attrName>style.visibility</p:attrName>
+                                        </p:attrNameLst>
+                                      </p:cBhvr>
+                                      <p:to>
+                                        <p:strVal val="visible"/>
+                                      </p:to>
+                                    </p:set>
+                                    <p:animEffect transition="in" filter="fade">
+                                      <p:cBhvr>
+                                        <p:cTn id="7" dur="500"/>
+                                        <p:tgtEl>
+                                          <p:spTgt spid="5">
+                                            <p:txEl>
+                                              <p:pRg st="2" end="2"/>
+                                            </p:txEl>
+                                          </p:spTgt>
+                                        </p:tgtEl>
+                                      </p:cBhvr>
+                                    </p:animEffect>
+                                  </p:childTnLst>
+                                </p:cTn>
+                              </p:par>
+                            </p:childTnLst>
+                          </p:cTn>
+                        </p:par>
+                      </p:childTnLst>
+                    </p:cTn>
+                  </p:par>
+                </p:childTnLst>
+              </p:cTn>
+              <p:prevCondLst>
+                <p:cond evt="onPrev" delay="0">
+                  <p:tgtEl>
+                    <p:sldTgt/>
+                  </p:tgtEl>
+                </p:cond>
+              </p:prevCondLst>
+              <p:nextCondLst>
+                <p:cond evt="onNext" delay="0">
+                  <p:tgtEl>
+                    <p:sldTgt/>
+                  </p:tgtEl>
+                </p:cond>
+              </p:nextCondLst>
+            </p:seq>
+          </p:childTnLst>
+        </p:cTn>
+      </p:par>
+    </p:tnLst>
+  </p:timing>
 </p:sld>
 </file>
 
@@ -18259,6 +20814,207 @@
   <p:transition>
     <p:fade/>
   </p:transition>
+  <p:timing>
+    <p:tnLst>
+      <p:par>
+        <p:cTn id="1" dur="indefinite" restart="never" nodeType="tmRoot">
+          <p:childTnLst>
+            <p:seq concurrent="1" nextAc="seek">
+              <p:cTn id="2" dur="indefinite" nodeType="mainSeq">
+                <p:childTnLst>
+                  <p:par>
+                    <p:cTn id="3" fill="hold">
+                      <p:stCondLst>
+                        <p:cond delay="indefinite"/>
+                      </p:stCondLst>
+                      <p:childTnLst>
+                        <p:par>
+                          <p:cTn id="4" fill="hold">
+                            <p:stCondLst>
+                              <p:cond delay="0"/>
+                            </p:stCondLst>
+                            <p:childTnLst>
+                              <p:par>
+                                <p:cTn id="5" presetID="10" presetClass="entr" presetSubtype="0" fill="hold" nodeType="clickEffect">
+                                  <p:stCondLst>
+                                    <p:cond delay="0"/>
+                                  </p:stCondLst>
+                                  <p:childTnLst>
+                                    <p:set>
+                                      <p:cBhvr>
+                                        <p:cTn id="6" dur="1" fill="hold">
+                                          <p:stCondLst>
+                                            <p:cond delay="0"/>
+                                          </p:stCondLst>
+                                        </p:cTn>
+                                        <p:tgtEl>
+                                          <p:spTgt spid="5">
+                                            <p:txEl>
+                                              <p:pRg st="2" end="2"/>
+                                            </p:txEl>
+                                          </p:spTgt>
+                                        </p:tgtEl>
+                                        <p:attrNameLst>
+                                          <p:attrName>style.visibility</p:attrName>
+                                        </p:attrNameLst>
+                                      </p:cBhvr>
+                                      <p:to>
+                                        <p:strVal val="visible"/>
+                                      </p:to>
+                                    </p:set>
+                                    <p:animEffect transition="in" filter="fade">
+                                      <p:cBhvr>
+                                        <p:cTn id="7" dur="500"/>
+                                        <p:tgtEl>
+                                          <p:spTgt spid="5">
+                                            <p:txEl>
+                                              <p:pRg st="2" end="2"/>
+                                            </p:txEl>
+                                          </p:spTgt>
+                                        </p:tgtEl>
+                                      </p:cBhvr>
+                                    </p:animEffect>
+                                  </p:childTnLst>
+                                </p:cTn>
+                              </p:par>
+                            </p:childTnLst>
+                          </p:cTn>
+                        </p:par>
+                      </p:childTnLst>
+                    </p:cTn>
+                  </p:par>
+                  <p:par>
+                    <p:cTn id="8" fill="hold">
+                      <p:stCondLst>
+                        <p:cond delay="indefinite"/>
+                      </p:stCondLst>
+                      <p:childTnLst>
+                        <p:par>
+                          <p:cTn id="9" fill="hold">
+                            <p:stCondLst>
+                              <p:cond delay="0"/>
+                            </p:stCondLst>
+                            <p:childTnLst>
+                              <p:par>
+                                <p:cTn id="10" presetID="10" presetClass="entr" presetSubtype="0" fill="hold" nodeType="clickEffect">
+                                  <p:stCondLst>
+                                    <p:cond delay="0"/>
+                                  </p:stCondLst>
+                                  <p:childTnLst>
+                                    <p:set>
+                                      <p:cBhvr>
+                                        <p:cTn id="11" dur="1" fill="hold">
+                                          <p:stCondLst>
+                                            <p:cond delay="0"/>
+                                          </p:stCondLst>
+                                        </p:cTn>
+                                        <p:tgtEl>
+                                          <p:spTgt spid="5">
+                                            <p:txEl>
+                                              <p:pRg st="3" end="3"/>
+                                            </p:txEl>
+                                          </p:spTgt>
+                                        </p:tgtEl>
+                                        <p:attrNameLst>
+                                          <p:attrName>style.visibility</p:attrName>
+                                        </p:attrNameLst>
+                                      </p:cBhvr>
+                                      <p:to>
+                                        <p:strVal val="visible"/>
+                                      </p:to>
+                                    </p:set>
+                                    <p:animEffect transition="in" filter="fade">
+                                      <p:cBhvr>
+                                        <p:cTn id="12" dur="500"/>
+                                        <p:tgtEl>
+                                          <p:spTgt spid="5">
+                                            <p:txEl>
+                                              <p:pRg st="3" end="3"/>
+                                            </p:txEl>
+                                          </p:spTgt>
+                                        </p:tgtEl>
+                                      </p:cBhvr>
+                                    </p:animEffect>
+                                  </p:childTnLst>
+                                </p:cTn>
+                              </p:par>
+                            </p:childTnLst>
+                          </p:cTn>
+                        </p:par>
+                      </p:childTnLst>
+                    </p:cTn>
+                  </p:par>
+                  <p:par>
+                    <p:cTn id="13" fill="hold">
+                      <p:stCondLst>
+                        <p:cond delay="indefinite"/>
+                      </p:stCondLst>
+                      <p:childTnLst>
+                        <p:par>
+                          <p:cTn id="14" fill="hold">
+                            <p:stCondLst>
+                              <p:cond delay="0"/>
+                            </p:stCondLst>
+                            <p:childTnLst>
+                              <p:par>
+                                <p:cTn id="15" presetID="1" presetClass="entr" presetSubtype="0" fill="hold" nodeType="clickEffect">
+                                  <p:stCondLst>
+                                    <p:cond delay="0"/>
+                                  </p:stCondLst>
+                                  <p:childTnLst>
+                                    <p:set>
+                                      <p:cBhvr>
+                                        <p:cTn id="16" dur="1" fill="hold">
+                                          <p:stCondLst>
+                                            <p:cond delay="0"/>
+                                          </p:stCondLst>
+                                        </p:cTn>
+                                        <p:tgtEl>
+                                          <p:spTgt spid="5">
+                                            <p:txEl>
+                                              <p:pRg st="4" end="4"/>
+                                            </p:txEl>
+                                          </p:spTgt>
+                                        </p:tgtEl>
+                                        <p:attrNameLst>
+                                          <p:attrName>style.visibility</p:attrName>
+                                        </p:attrNameLst>
+                                      </p:cBhvr>
+                                      <p:to>
+                                        <p:strVal val="visible"/>
+                                      </p:to>
+                                    </p:set>
+                                  </p:childTnLst>
+                                </p:cTn>
+                              </p:par>
+                            </p:childTnLst>
+                          </p:cTn>
+                        </p:par>
+                      </p:childTnLst>
+                    </p:cTn>
+                  </p:par>
+                </p:childTnLst>
+              </p:cTn>
+              <p:prevCondLst>
+                <p:cond evt="onPrev" delay="0">
+                  <p:tgtEl>
+                    <p:sldTgt/>
+                  </p:tgtEl>
+                </p:cond>
+              </p:prevCondLst>
+              <p:nextCondLst>
+                <p:cond evt="onNext" delay="0">
+                  <p:tgtEl>
+                    <p:sldTgt/>
+                  </p:tgtEl>
+                </p:cond>
+              </p:nextCondLst>
+            </p:seq>
+          </p:childTnLst>
+        </p:cTn>
+      </p:par>
+    </p:tnLst>
+  </p:timing>
 </p:sld>
 </file>
 
@@ -18814,6 +21570,158 @@
       <p:transition/>
     </mc:Fallback>
   </mc:AlternateContent>
+  <p:timing>
+    <p:tnLst>
+      <p:par>
+        <p:cTn id="1" dur="indefinite" restart="never" nodeType="tmRoot">
+          <p:childTnLst>
+            <p:seq concurrent="1" nextAc="seek">
+              <p:cTn id="2" dur="indefinite" nodeType="mainSeq">
+                <p:childTnLst>
+                  <p:par>
+                    <p:cTn id="3" fill="hold">
+                      <p:stCondLst>
+                        <p:cond delay="indefinite"/>
+                      </p:stCondLst>
+                      <p:childTnLst>
+                        <p:par>
+                          <p:cTn id="4" fill="hold">
+                            <p:stCondLst>
+                              <p:cond delay="0"/>
+                            </p:stCondLst>
+                            <p:childTnLst>
+                              <p:par>
+                                <p:cTn id="5" presetID="10" presetClass="entr" presetSubtype="0" fill="hold" nodeType="clickEffect">
+                                  <p:stCondLst>
+                                    <p:cond delay="0"/>
+                                  </p:stCondLst>
+                                  <p:childTnLst>
+                                    <p:set>
+                                      <p:cBhvr>
+                                        <p:cTn id="6" dur="1" fill="hold">
+                                          <p:stCondLst>
+                                            <p:cond delay="0"/>
+                                          </p:stCondLst>
+                                        </p:cTn>
+                                        <p:tgtEl>
+                                          <p:spTgt spid="3">
+                                            <p:txEl>
+                                              <p:pRg st="0" end="0"/>
+                                            </p:txEl>
+                                          </p:spTgt>
+                                        </p:tgtEl>
+                                        <p:attrNameLst>
+                                          <p:attrName>style.visibility</p:attrName>
+                                        </p:attrNameLst>
+                                      </p:cBhvr>
+                                      <p:to>
+                                        <p:strVal val="visible"/>
+                                      </p:to>
+                                    </p:set>
+                                    <p:animEffect transition="in" filter="fade">
+                                      <p:cBhvr>
+                                        <p:cTn id="7" dur="500"/>
+                                        <p:tgtEl>
+                                          <p:spTgt spid="3">
+                                            <p:txEl>
+                                              <p:pRg st="0" end="0"/>
+                                            </p:txEl>
+                                          </p:spTgt>
+                                        </p:tgtEl>
+                                      </p:cBhvr>
+                                    </p:animEffect>
+                                  </p:childTnLst>
+                                </p:cTn>
+                              </p:par>
+                            </p:childTnLst>
+                          </p:cTn>
+                        </p:par>
+                      </p:childTnLst>
+                    </p:cTn>
+                  </p:par>
+                  <p:par>
+                    <p:cTn id="8" fill="hold">
+                      <p:stCondLst>
+                        <p:cond delay="indefinite"/>
+                      </p:stCondLst>
+                      <p:childTnLst>
+                        <p:par>
+                          <p:cTn id="9" fill="hold">
+                            <p:stCondLst>
+                              <p:cond delay="0"/>
+                            </p:stCondLst>
+                            <p:childTnLst>
+                              <p:par>
+                                <p:cTn id="10" presetID="10" presetClass="entr" presetSubtype="0" fill="hold" nodeType="clickEffect">
+                                  <p:stCondLst>
+                                    <p:cond delay="0"/>
+                                  </p:stCondLst>
+                                  <p:childTnLst>
+                                    <p:set>
+                                      <p:cBhvr>
+                                        <p:cTn id="11" dur="1" fill="hold">
+                                          <p:stCondLst>
+                                            <p:cond delay="0"/>
+                                          </p:stCondLst>
+                                        </p:cTn>
+                                        <p:tgtEl>
+                                          <p:spTgt spid="3">
+                                            <p:txEl>
+                                              <p:pRg st="2" end="2"/>
+                                            </p:txEl>
+                                          </p:spTgt>
+                                        </p:tgtEl>
+                                        <p:attrNameLst>
+                                          <p:attrName>style.visibility</p:attrName>
+                                        </p:attrNameLst>
+                                      </p:cBhvr>
+                                      <p:to>
+                                        <p:strVal val="visible"/>
+                                      </p:to>
+                                    </p:set>
+                                    <p:animEffect transition="in" filter="fade">
+                                      <p:cBhvr>
+                                        <p:cTn id="12" dur="500"/>
+                                        <p:tgtEl>
+                                          <p:spTgt spid="3">
+                                            <p:txEl>
+                                              <p:pRg st="2" end="2"/>
+                                            </p:txEl>
+                                          </p:spTgt>
+                                        </p:tgtEl>
+                                      </p:cBhvr>
+                                    </p:animEffect>
+                                  </p:childTnLst>
+                                </p:cTn>
+                              </p:par>
+                            </p:childTnLst>
+                          </p:cTn>
+                        </p:par>
+                      </p:childTnLst>
+                    </p:cTn>
+                  </p:par>
+                </p:childTnLst>
+              </p:cTn>
+              <p:prevCondLst>
+                <p:cond evt="onPrev" delay="0">
+                  <p:tgtEl>
+                    <p:sldTgt/>
+                  </p:tgtEl>
+                </p:cond>
+              </p:prevCondLst>
+              <p:nextCondLst>
+                <p:cond evt="onNext" delay="0">
+                  <p:tgtEl>
+                    <p:sldTgt/>
+                  </p:tgtEl>
+                </p:cond>
+              </p:nextCondLst>
+            </p:seq>
+          </p:childTnLst>
+        </p:cTn>
+      </p:par>
+    </p:tnLst>
+  </p:timing>
 </p:sld>
 </file>
 
@@ -18946,6 +21854,158 @@
       <p:transition/>
     </mc:Fallback>
   </mc:AlternateContent>
+  <p:timing>
+    <p:tnLst>
+      <p:par>
+        <p:cTn id="1" dur="indefinite" restart="never" nodeType="tmRoot">
+          <p:childTnLst>
+            <p:seq concurrent="1" nextAc="seek">
+              <p:cTn id="2" dur="indefinite" nodeType="mainSeq">
+                <p:childTnLst>
+                  <p:par>
+                    <p:cTn id="3" fill="hold">
+                      <p:stCondLst>
+                        <p:cond delay="indefinite"/>
+                      </p:stCondLst>
+                      <p:childTnLst>
+                        <p:par>
+                          <p:cTn id="4" fill="hold">
+                            <p:stCondLst>
+                              <p:cond delay="0"/>
+                            </p:stCondLst>
+                            <p:childTnLst>
+                              <p:par>
+                                <p:cTn id="5" presetID="10" presetClass="entr" presetSubtype="0" fill="hold" nodeType="clickEffect">
+                                  <p:stCondLst>
+                                    <p:cond delay="0"/>
+                                  </p:stCondLst>
+                                  <p:childTnLst>
+                                    <p:set>
+                                      <p:cBhvr>
+                                        <p:cTn id="6" dur="1" fill="hold">
+                                          <p:stCondLst>
+                                            <p:cond delay="0"/>
+                                          </p:stCondLst>
+                                        </p:cTn>
+                                        <p:tgtEl>
+                                          <p:spTgt spid="3">
+                                            <p:txEl>
+                                              <p:pRg st="0" end="0"/>
+                                            </p:txEl>
+                                          </p:spTgt>
+                                        </p:tgtEl>
+                                        <p:attrNameLst>
+                                          <p:attrName>style.visibility</p:attrName>
+                                        </p:attrNameLst>
+                                      </p:cBhvr>
+                                      <p:to>
+                                        <p:strVal val="visible"/>
+                                      </p:to>
+                                    </p:set>
+                                    <p:animEffect transition="in" filter="fade">
+                                      <p:cBhvr>
+                                        <p:cTn id="7" dur="500"/>
+                                        <p:tgtEl>
+                                          <p:spTgt spid="3">
+                                            <p:txEl>
+                                              <p:pRg st="0" end="0"/>
+                                            </p:txEl>
+                                          </p:spTgt>
+                                        </p:tgtEl>
+                                      </p:cBhvr>
+                                    </p:animEffect>
+                                  </p:childTnLst>
+                                </p:cTn>
+                              </p:par>
+                            </p:childTnLst>
+                          </p:cTn>
+                        </p:par>
+                      </p:childTnLst>
+                    </p:cTn>
+                  </p:par>
+                  <p:par>
+                    <p:cTn id="8" fill="hold">
+                      <p:stCondLst>
+                        <p:cond delay="indefinite"/>
+                      </p:stCondLst>
+                      <p:childTnLst>
+                        <p:par>
+                          <p:cTn id="9" fill="hold">
+                            <p:stCondLst>
+                              <p:cond delay="0"/>
+                            </p:stCondLst>
+                            <p:childTnLst>
+                              <p:par>
+                                <p:cTn id="10" presetID="10" presetClass="entr" presetSubtype="0" fill="hold" nodeType="clickEffect">
+                                  <p:stCondLst>
+                                    <p:cond delay="0"/>
+                                  </p:stCondLst>
+                                  <p:childTnLst>
+                                    <p:set>
+                                      <p:cBhvr>
+                                        <p:cTn id="11" dur="1" fill="hold">
+                                          <p:stCondLst>
+                                            <p:cond delay="0"/>
+                                          </p:stCondLst>
+                                        </p:cTn>
+                                        <p:tgtEl>
+                                          <p:spTgt spid="3">
+                                            <p:txEl>
+                                              <p:pRg st="2" end="2"/>
+                                            </p:txEl>
+                                          </p:spTgt>
+                                        </p:tgtEl>
+                                        <p:attrNameLst>
+                                          <p:attrName>style.visibility</p:attrName>
+                                        </p:attrNameLst>
+                                      </p:cBhvr>
+                                      <p:to>
+                                        <p:strVal val="visible"/>
+                                      </p:to>
+                                    </p:set>
+                                    <p:animEffect transition="in" filter="fade">
+                                      <p:cBhvr>
+                                        <p:cTn id="12" dur="500"/>
+                                        <p:tgtEl>
+                                          <p:spTgt spid="3">
+                                            <p:txEl>
+                                              <p:pRg st="2" end="2"/>
+                                            </p:txEl>
+                                          </p:spTgt>
+                                        </p:tgtEl>
+                                      </p:cBhvr>
+                                    </p:animEffect>
+                                  </p:childTnLst>
+                                </p:cTn>
+                              </p:par>
+                            </p:childTnLst>
+                          </p:cTn>
+                        </p:par>
+                      </p:childTnLst>
+                    </p:cTn>
+                  </p:par>
+                </p:childTnLst>
+              </p:cTn>
+              <p:prevCondLst>
+                <p:cond evt="onPrev" delay="0">
+                  <p:tgtEl>
+                    <p:sldTgt/>
+                  </p:tgtEl>
+                </p:cond>
+              </p:prevCondLst>
+              <p:nextCondLst>
+                <p:cond evt="onNext" delay="0">
+                  <p:tgtEl>
+                    <p:sldTgt/>
+                  </p:tgtEl>
+                </p:cond>
+              </p:nextCondLst>
+            </p:seq>
+          </p:childTnLst>
+        </p:cTn>
+      </p:par>
+    </p:tnLst>
+  </p:timing>
 </p:sld>
 </file>
 
@@ -19106,6 +22166,330 @@
       <p:transition/>
     </mc:Fallback>
   </mc:AlternateContent>
+  <p:timing>
+    <p:tnLst>
+      <p:par>
+        <p:cTn id="1" dur="indefinite" restart="never" nodeType="tmRoot">
+          <p:childTnLst>
+            <p:seq concurrent="1" nextAc="seek">
+              <p:cTn id="2" dur="indefinite" nodeType="mainSeq">
+                <p:childTnLst>
+                  <p:par>
+                    <p:cTn id="3" fill="hold">
+                      <p:stCondLst>
+                        <p:cond delay="indefinite"/>
+                      </p:stCondLst>
+                      <p:childTnLst>
+                        <p:par>
+                          <p:cTn id="4" fill="hold">
+                            <p:stCondLst>
+                              <p:cond delay="0"/>
+                            </p:stCondLst>
+                            <p:childTnLst>
+                              <p:par>
+                                <p:cTn id="5" presetID="10" presetClass="entr" presetSubtype="0" fill="hold" nodeType="clickEffect">
+                                  <p:stCondLst>
+                                    <p:cond delay="0"/>
+                                  </p:stCondLst>
+                                  <p:childTnLst>
+                                    <p:set>
+                                      <p:cBhvr>
+                                        <p:cTn id="6" dur="1" fill="hold">
+                                          <p:stCondLst>
+                                            <p:cond delay="0"/>
+                                          </p:stCondLst>
+                                        </p:cTn>
+                                        <p:tgtEl>
+                                          <p:spTgt spid="3">
+                                            <p:txEl>
+                                              <p:pRg st="0" end="0"/>
+                                            </p:txEl>
+                                          </p:spTgt>
+                                        </p:tgtEl>
+                                        <p:attrNameLst>
+                                          <p:attrName>style.visibility</p:attrName>
+                                        </p:attrNameLst>
+                                      </p:cBhvr>
+                                      <p:to>
+                                        <p:strVal val="visible"/>
+                                      </p:to>
+                                    </p:set>
+                                    <p:animEffect transition="in" filter="fade">
+                                      <p:cBhvr>
+                                        <p:cTn id="7" dur="500"/>
+                                        <p:tgtEl>
+                                          <p:spTgt spid="3">
+                                            <p:txEl>
+                                              <p:pRg st="0" end="0"/>
+                                            </p:txEl>
+                                          </p:spTgt>
+                                        </p:tgtEl>
+                                      </p:cBhvr>
+                                    </p:animEffect>
+                                  </p:childTnLst>
+                                </p:cTn>
+                              </p:par>
+                              <p:par>
+                                <p:cTn id="8" presetID="10" presetClass="entr" presetSubtype="0" fill="hold" nodeType="withEffect">
+                                  <p:stCondLst>
+                                    <p:cond delay="0"/>
+                                  </p:stCondLst>
+                                  <p:childTnLst>
+                                    <p:set>
+                                      <p:cBhvr>
+                                        <p:cTn id="9" dur="1" fill="hold">
+                                          <p:stCondLst>
+                                            <p:cond delay="0"/>
+                                          </p:stCondLst>
+                                        </p:cTn>
+                                        <p:tgtEl>
+                                          <p:spTgt spid="3">
+                                            <p:txEl>
+                                              <p:pRg st="1" end="1"/>
+                                            </p:txEl>
+                                          </p:spTgt>
+                                        </p:tgtEl>
+                                        <p:attrNameLst>
+                                          <p:attrName>style.visibility</p:attrName>
+                                        </p:attrNameLst>
+                                      </p:cBhvr>
+                                      <p:to>
+                                        <p:strVal val="visible"/>
+                                      </p:to>
+                                    </p:set>
+                                    <p:animEffect transition="in" filter="fade">
+                                      <p:cBhvr>
+                                        <p:cTn id="10" dur="500"/>
+                                        <p:tgtEl>
+                                          <p:spTgt spid="3">
+                                            <p:txEl>
+                                              <p:pRg st="1" end="1"/>
+                                            </p:txEl>
+                                          </p:spTgt>
+                                        </p:tgtEl>
+                                      </p:cBhvr>
+                                    </p:animEffect>
+                                  </p:childTnLst>
+                                </p:cTn>
+                              </p:par>
+                              <p:par>
+                                <p:cTn id="11" presetID="10" presetClass="entr" presetSubtype="0" fill="hold" nodeType="withEffect">
+                                  <p:stCondLst>
+                                    <p:cond delay="0"/>
+                                  </p:stCondLst>
+                                  <p:childTnLst>
+                                    <p:set>
+                                      <p:cBhvr>
+                                        <p:cTn id="12" dur="1" fill="hold">
+                                          <p:stCondLst>
+                                            <p:cond delay="0"/>
+                                          </p:stCondLst>
+                                        </p:cTn>
+                                        <p:tgtEl>
+                                          <p:spTgt spid="3">
+                                            <p:txEl>
+                                              <p:pRg st="2" end="2"/>
+                                            </p:txEl>
+                                          </p:spTgt>
+                                        </p:tgtEl>
+                                        <p:attrNameLst>
+                                          <p:attrName>style.visibility</p:attrName>
+                                        </p:attrNameLst>
+                                      </p:cBhvr>
+                                      <p:to>
+                                        <p:strVal val="visible"/>
+                                      </p:to>
+                                    </p:set>
+                                    <p:animEffect transition="in" filter="fade">
+                                      <p:cBhvr>
+                                        <p:cTn id="13" dur="500"/>
+                                        <p:tgtEl>
+                                          <p:spTgt spid="3">
+                                            <p:txEl>
+                                              <p:pRg st="2" end="2"/>
+                                            </p:txEl>
+                                          </p:spTgt>
+                                        </p:tgtEl>
+                                      </p:cBhvr>
+                                    </p:animEffect>
+                                  </p:childTnLst>
+                                </p:cTn>
+                              </p:par>
+                              <p:par>
+                                <p:cTn id="14" presetID="10" presetClass="entr" presetSubtype="0" fill="hold" nodeType="withEffect">
+                                  <p:stCondLst>
+                                    <p:cond delay="0"/>
+                                  </p:stCondLst>
+                                  <p:childTnLst>
+                                    <p:set>
+                                      <p:cBhvr>
+                                        <p:cTn id="15" dur="1" fill="hold">
+                                          <p:stCondLst>
+                                            <p:cond delay="0"/>
+                                          </p:stCondLst>
+                                        </p:cTn>
+                                        <p:tgtEl>
+                                          <p:spTgt spid="3">
+                                            <p:txEl>
+                                              <p:pRg st="3" end="3"/>
+                                            </p:txEl>
+                                          </p:spTgt>
+                                        </p:tgtEl>
+                                        <p:attrNameLst>
+                                          <p:attrName>style.visibility</p:attrName>
+                                        </p:attrNameLst>
+                                      </p:cBhvr>
+                                      <p:to>
+                                        <p:strVal val="visible"/>
+                                      </p:to>
+                                    </p:set>
+                                    <p:animEffect transition="in" filter="fade">
+                                      <p:cBhvr>
+                                        <p:cTn id="16" dur="500"/>
+                                        <p:tgtEl>
+                                          <p:spTgt spid="3">
+                                            <p:txEl>
+                                              <p:pRg st="3" end="3"/>
+                                            </p:txEl>
+                                          </p:spTgt>
+                                        </p:tgtEl>
+                                      </p:cBhvr>
+                                    </p:animEffect>
+                                  </p:childTnLst>
+                                </p:cTn>
+                              </p:par>
+                              <p:par>
+                                <p:cTn id="17" presetID="10" presetClass="entr" presetSubtype="0" fill="hold" nodeType="withEffect">
+                                  <p:stCondLst>
+                                    <p:cond delay="0"/>
+                                  </p:stCondLst>
+                                  <p:childTnLst>
+                                    <p:set>
+                                      <p:cBhvr>
+                                        <p:cTn id="18" dur="1" fill="hold">
+                                          <p:stCondLst>
+                                            <p:cond delay="0"/>
+                                          </p:stCondLst>
+                                        </p:cTn>
+                                        <p:tgtEl>
+                                          <p:spTgt spid="3">
+                                            <p:txEl>
+                                              <p:pRg st="4" end="4"/>
+                                            </p:txEl>
+                                          </p:spTgt>
+                                        </p:tgtEl>
+                                        <p:attrNameLst>
+                                          <p:attrName>style.visibility</p:attrName>
+                                        </p:attrNameLst>
+                                      </p:cBhvr>
+                                      <p:to>
+                                        <p:strVal val="visible"/>
+                                      </p:to>
+                                    </p:set>
+                                    <p:animEffect transition="in" filter="fade">
+                                      <p:cBhvr>
+                                        <p:cTn id="19" dur="500"/>
+                                        <p:tgtEl>
+                                          <p:spTgt spid="3">
+                                            <p:txEl>
+                                              <p:pRg st="4" end="4"/>
+                                            </p:txEl>
+                                          </p:spTgt>
+                                        </p:tgtEl>
+                                      </p:cBhvr>
+                                    </p:animEffect>
+                                  </p:childTnLst>
+                                </p:cTn>
+                              </p:par>
+                            </p:childTnLst>
+                          </p:cTn>
+                        </p:par>
+                      </p:childTnLst>
+                    </p:cTn>
+                  </p:par>
+                  <p:par>
+                    <p:cTn id="20" fill="hold">
+                      <p:stCondLst>
+                        <p:cond delay="indefinite"/>
+                      </p:stCondLst>
+                      <p:childTnLst>
+                        <p:par>
+                          <p:cTn id="21" fill="hold">
+                            <p:stCondLst>
+                              <p:cond delay="0"/>
+                            </p:stCondLst>
+                            <p:childTnLst>
+                              <p:par>
+                                <p:cTn id="22" presetID="10" presetClass="entr" presetSubtype="0" fill="hold" nodeType="clickEffect">
+                                  <p:stCondLst>
+                                    <p:cond delay="0"/>
+                                  </p:stCondLst>
+                                  <p:childTnLst>
+                                    <p:set>
+                                      <p:cBhvr>
+                                        <p:cTn id="23" dur="1" fill="hold">
+                                          <p:stCondLst>
+                                            <p:cond delay="0"/>
+                                          </p:stCondLst>
+                                        </p:cTn>
+                                        <p:tgtEl>
+                                          <p:spTgt spid="3">
+                                            <p:txEl>
+                                              <p:pRg st="6" end="6"/>
+                                            </p:txEl>
+                                          </p:spTgt>
+                                        </p:tgtEl>
+                                        <p:attrNameLst>
+                                          <p:attrName>style.visibility</p:attrName>
+                                        </p:attrNameLst>
+                                      </p:cBhvr>
+                                      <p:to>
+                                        <p:strVal val="visible"/>
+                                      </p:to>
+                                    </p:set>
+                                    <p:animEffect transition="in" filter="fade">
+                                      <p:cBhvr>
+                                        <p:cTn id="24" dur="500"/>
+                                        <p:tgtEl>
+                                          <p:spTgt spid="3">
+                                            <p:txEl>
+                                              <p:pRg st="6" end="6"/>
+                                            </p:txEl>
+                                          </p:spTgt>
+                                        </p:tgtEl>
+                                      </p:cBhvr>
+                                    </p:animEffect>
+                                  </p:childTnLst>
+                                </p:cTn>
+                              </p:par>
+                            </p:childTnLst>
+                          </p:cTn>
+                        </p:par>
+                      </p:childTnLst>
+                    </p:cTn>
+                  </p:par>
+                </p:childTnLst>
+              </p:cTn>
+              <p:prevCondLst>
+                <p:cond evt="onPrev" delay="0">
+                  <p:tgtEl>
+                    <p:sldTgt/>
+                  </p:tgtEl>
+                </p:cond>
+              </p:prevCondLst>
+              <p:nextCondLst>
+                <p:cond evt="onNext" delay="0">
+                  <p:tgtEl>
+                    <p:sldTgt/>
+                  </p:tgtEl>
+                </p:cond>
+              </p:nextCondLst>
+            </p:seq>
+          </p:childTnLst>
+        </p:cTn>
+      </p:par>
+    </p:tnLst>
+  </p:timing>
 </p:sld>
 </file>
 
@@ -19249,6 +22633,219 @@
       <p:transition/>
     </mc:Fallback>
   </mc:AlternateContent>
+  <p:timing>
+    <p:tnLst>
+      <p:par>
+        <p:cTn id="1" dur="indefinite" restart="never" nodeType="tmRoot">
+          <p:childTnLst>
+            <p:seq concurrent="1" nextAc="seek">
+              <p:cTn id="2" dur="indefinite" nodeType="mainSeq">
+                <p:childTnLst>
+                  <p:par>
+                    <p:cTn id="3" fill="hold">
+                      <p:stCondLst>
+                        <p:cond delay="indefinite"/>
+                      </p:stCondLst>
+                      <p:childTnLst>
+                        <p:par>
+                          <p:cTn id="4" fill="hold">
+                            <p:stCondLst>
+                              <p:cond delay="0"/>
+                            </p:stCondLst>
+                            <p:childTnLst>
+                              <p:par>
+                                <p:cTn id="5" presetID="10" presetClass="entr" presetSubtype="0" fill="hold" nodeType="clickEffect">
+                                  <p:stCondLst>
+                                    <p:cond delay="0"/>
+                                  </p:stCondLst>
+                                  <p:childTnLst>
+                                    <p:set>
+                                      <p:cBhvr>
+                                        <p:cTn id="6" dur="1" fill="hold">
+                                          <p:stCondLst>
+                                            <p:cond delay="0"/>
+                                          </p:stCondLst>
+                                        </p:cTn>
+                                        <p:tgtEl>
+                                          <p:spTgt spid="3">
+                                            <p:txEl>
+                                              <p:pRg st="2" end="2"/>
+                                            </p:txEl>
+                                          </p:spTgt>
+                                        </p:tgtEl>
+                                        <p:attrNameLst>
+                                          <p:attrName>style.visibility</p:attrName>
+                                        </p:attrNameLst>
+                                      </p:cBhvr>
+                                      <p:to>
+                                        <p:strVal val="visible"/>
+                                      </p:to>
+                                    </p:set>
+                                    <p:animEffect transition="in" filter="fade">
+                                      <p:cBhvr>
+                                        <p:cTn id="7" dur="500"/>
+                                        <p:tgtEl>
+                                          <p:spTgt spid="3">
+                                            <p:txEl>
+                                              <p:pRg st="2" end="2"/>
+                                            </p:txEl>
+                                          </p:spTgt>
+                                        </p:tgtEl>
+                                      </p:cBhvr>
+                                    </p:animEffect>
+                                  </p:childTnLst>
+                                </p:cTn>
+                              </p:par>
+                            </p:childTnLst>
+                          </p:cTn>
+                        </p:par>
+                      </p:childTnLst>
+                    </p:cTn>
+                  </p:par>
+                  <p:par>
+                    <p:cTn id="8" fill="hold">
+                      <p:stCondLst>
+                        <p:cond delay="indefinite"/>
+                      </p:stCondLst>
+                      <p:childTnLst>
+                        <p:par>
+                          <p:cTn id="9" fill="hold">
+                            <p:stCondLst>
+                              <p:cond delay="0"/>
+                            </p:stCondLst>
+                            <p:childTnLst>
+                              <p:par>
+                                <p:cTn id="10" presetID="10" presetClass="entr" presetSubtype="0" fill="hold" nodeType="clickEffect">
+                                  <p:stCondLst>
+                                    <p:cond delay="0"/>
+                                  </p:stCondLst>
+                                  <p:childTnLst>
+                                    <p:set>
+                                      <p:cBhvr>
+                                        <p:cTn id="11" dur="1" fill="hold">
+                                          <p:stCondLst>
+                                            <p:cond delay="0"/>
+                                          </p:stCondLst>
+                                        </p:cTn>
+                                        <p:tgtEl>
+                                          <p:spTgt spid="3">
+                                            <p:txEl>
+                                              <p:pRg st="3" end="3"/>
+                                            </p:txEl>
+                                          </p:spTgt>
+                                        </p:tgtEl>
+                                        <p:attrNameLst>
+                                          <p:attrName>style.visibility</p:attrName>
+                                        </p:attrNameLst>
+                                      </p:cBhvr>
+                                      <p:to>
+                                        <p:strVal val="visible"/>
+                                      </p:to>
+                                    </p:set>
+                                    <p:animEffect transition="in" filter="fade">
+                                      <p:cBhvr>
+                                        <p:cTn id="12" dur="500"/>
+                                        <p:tgtEl>
+                                          <p:spTgt spid="3">
+                                            <p:txEl>
+                                              <p:pRg st="3" end="3"/>
+                                            </p:txEl>
+                                          </p:spTgt>
+                                        </p:tgtEl>
+                                      </p:cBhvr>
+                                    </p:animEffect>
+                                  </p:childTnLst>
+                                </p:cTn>
+                              </p:par>
+                            </p:childTnLst>
+                          </p:cTn>
+                        </p:par>
+                      </p:childTnLst>
+                    </p:cTn>
+                  </p:par>
+                  <p:par>
+                    <p:cTn id="13" fill="hold">
+                      <p:stCondLst>
+                        <p:cond delay="indefinite"/>
+                      </p:stCondLst>
+                      <p:childTnLst>
+                        <p:par>
+                          <p:cTn id="14" fill="hold">
+                            <p:stCondLst>
+                              <p:cond delay="0"/>
+                            </p:stCondLst>
+                            <p:childTnLst>
+                              <p:par>
+                                <p:cTn id="15" presetID="10" presetClass="entr" presetSubtype="0" fill="hold" nodeType="clickEffect">
+                                  <p:stCondLst>
+                                    <p:cond delay="0"/>
+                                  </p:stCondLst>
+                                  <p:childTnLst>
+                                    <p:set>
+                                      <p:cBhvr>
+                                        <p:cTn id="16" dur="1" fill="hold">
+                                          <p:stCondLst>
+                                            <p:cond delay="0"/>
+                                          </p:stCondLst>
+                                        </p:cTn>
+                                        <p:tgtEl>
+                                          <p:spTgt spid="3">
+                                            <p:txEl>
+                                              <p:pRg st="4" end="4"/>
+                                            </p:txEl>
+                                          </p:spTgt>
+                                        </p:tgtEl>
+                                        <p:attrNameLst>
+                                          <p:attrName>style.visibility</p:attrName>
+                                        </p:attrNameLst>
+                                      </p:cBhvr>
+                                      <p:to>
+                                        <p:strVal val="visible"/>
+                                      </p:to>
+                                    </p:set>
+                                    <p:animEffect transition="in" filter="fade">
+                                      <p:cBhvr>
+                                        <p:cTn id="17" dur="500"/>
+                                        <p:tgtEl>
+                                          <p:spTgt spid="3">
+                                            <p:txEl>
+                                              <p:pRg st="4" end="4"/>
+                                            </p:txEl>
+                                          </p:spTgt>
+                                        </p:tgtEl>
+                                      </p:cBhvr>
+                                    </p:animEffect>
+                                  </p:childTnLst>
+                                </p:cTn>
+                              </p:par>
+                            </p:childTnLst>
+                          </p:cTn>
+                        </p:par>
+                      </p:childTnLst>
+                    </p:cTn>
+                  </p:par>
+                </p:childTnLst>
+              </p:cTn>
+              <p:prevCondLst>
+                <p:cond evt="onPrev" delay="0">
+                  <p:tgtEl>
+                    <p:sldTgt/>
+                  </p:tgtEl>
+                </p:cond>
+              </p:prevCondLst>
+              <p:nextCondLst>
+                <p:cond evt="onNext" delay="0">
+                  <p:tgtEl>
+                    <p:sldTgt/>
+                  </p:tgtEl>
+                </p:cond>
+              </p:nextCondLst>
+            </p:seq>
+          </p:childTnLst>
+        </p:cTn>
+      </p:par>
+    </p:tnLst>
+  </p:timing>
 </p:sld>
 </file>
 
@@ -19406,6 +23003,402 @@
       <p:transition/>
     </mc:Fallback>
   </mc:AlternateContent>
+  <p:timing>
+    <p:tnLst>
+      <p:par>
+        <p:cTn id="1" dur="indefinite" restart="never" nodeType="tmRoot">
+          <p:childTnLst>
+            <p:seq concurrent="1" nextAc="seek">
+              <p:cTn id="2" dur="indefinite" nodeType="mainSeq">
+                <p:childTnLst>
+                  <p:par>
+                    <p:cTn id="3" fill="hold">
+                      <p:stCondLst>
+                        <p:cond delay="indefinite"/>
+                      </p:stCondLst>
+                      <p:childTnLst>
+                        <p:par>
+                          <p:cTn id="4" fill="hold">
+                            <p:stCondLst>
+                              <p:cond delay="0"/>
+                            </p:stCondLst>
+                            <p:childTnLst>
+                              <p:par>
+                                <p:cTn id="5" presetID="10" presetClass="entr" presetSubtype="0" fill="hold" nodeType="clickEffect">
+                                  <p:stCondLst>
+                                    <p:cond delay="0"/>
+                                  </p:stCondLst>
+                                  <p:childTnLst>
+                                    <p:set>
+                                      <p:cBhvr>
+                                        <p:cTn id="6" dur="1" fill="hold">
+                                          <p:stCondLst>
+                                            <p:cond delay="0"/>
+                                          </p:stCondLst>
+                                        </p:cTn>
+                                        <p:tgtEl>
+                                          <p:spTgt spid="3">
+                                            <p:txEl>
+                                              <p:pRg st="0" end="0"/>
+                                            </p:txEl>
+                                          </p:spTgt>
+                                        </p:tgtEl>
+                                        <p:attrNameLst>
+                                          <p:attrName>style.visibility</p:attrName>
+                                        </p:attrNameLst>
+                                      </p:cBhvr>
+                                      <p:to>
+                                        <p:strVal val="visible"/>
+                                      </p:to>
+                                    </p:set>
+                                    <p:animEffect transition="in" filter="fade">
+                                      <p:cBhvr>
+                                        <p:cTn id="7" dur="500"/>
+                                        <p:tgtEl>
+                                          <p:spTgt spid="3">
+                                            <p:txEl>
+                                              <p:pRg st="0" end="0"/>
+                                            </p:txEl>
+                                          </p:spTgt>
+                                        </p:tgtEl>
+                                      </p:cBhvr>
+                                    </p:animEffect>
+                                  </p:childTnLst>
+                                </p:cTn>
+                              </p:par>
+                            </p:childTnLst>
+                          </p:cTn>
+                        </p:par>
+                      </p:childTnLst>
+                    </p:cTn>
+                  </p:par>
+                  <p:par>
+                    <p:cTn id="8" fill="hold">
+                      <p:stCondLst>
+                        <p:cond delay="indefinite"/>
+                      </p:stCondLst>
+                      <p:childTnLst>
+                        <p:par>
+                          <p:cTn id="9" fill="hold">
+                            <p:stCondLst>
+                              <p:cond delay="0"/>
+                            </p:stCondLst>
+                            <p:childTnLst>
+                              <p:par>
+                                <p:cTn id="10" presetID="10" presetClass="entr" presetSubtype="0" fill="hold" nodeType="clickEffect">
+                                  <p:stCondLst>
+                                    <p:cond delay="0"/>
+                                  </p:stCondLst>
+                                  <p:childTnLst>
+                                    <p:set>
+                                      <p:cBhvr>
+                                        <p:cTn id="11" dur="1" fill="hold">
+                                          <p:stCondLst>
+                                            <p:cond delay="0"/>
+                                          </p:stCondLst>
+                                        </p:cTn>
+                                        <p:tgtEl>
+                                          <p:spTgt spid="3">
+                                            <p:txEl>
+                                              <p:pRg st="1" end="1"/>
+                                            </p:txEl>
+                                          </p:spTgt>
+                                        </p:tgtEl>
+                                        <p:attrNameLst>
+                                          <p:attrName>style.visibility</p:attrName>
+                                        </p:attrNameLst>
+                                      </p:cBhvr>
+                                      <p:to>
+                                        <p:strVal val="visible"/>
+                                      </p:to>
+                                    </p:set>
+                                    <p:animEffect transition="in" filter="fade">
+                                      <p:cBhvr>
+                                        <p:cTn id="12" dur="500"/>
+                                        <p:tgtEl>
+                                          <p:spTgt spid="3">
+                                            <p:txEl>
+                                              <p:pRg st="1" end="1"/>
+                                            </p:txEl>
+                                          </p:spTgt>
+                                        </p:tgtEl>
+                                      </p:cBhvr>
+                                    </p:animEffect>
+                                  </p:childTnLst>
+                                </p:cTn>
+                              </p:par>
+                            </p:childTnLst>
+                          </p:cTn>
+                        </p:par>
+                      </p:childTnLst>
+                    </p:cTn>
+                  </p:par>
+                  <p:par>
+                    <p:cTn id="13" fill="hold">
+                      <p:stCondLst>
+                        <p:cond delay="indefinite"/>
+                      </p:stCondLst>
+                      <p:childTnLst>
+                        <p:par>
+                          <p:cTn id="14" fill="hold">
+                            <p:stCondLst>
+                              <p:cond delay="0"/>
+                            </p:stCondLst>
+                            <p:childTnLst>
+                              <p:par>
+                                <p:cTn id="15" presetID="10" presetClass="entr" presetSubtype="0" fill="hold" nodeType="clickEffect">
+                                  <p:stCondLst>
+                                    <p:cond delay="0"/>
+                                  </p:stCondLst>
+                                  <p:childTnLst>
+                                    <p:set>
+                                      <p:cBhvr>
+                                        <p:cTn id="16" dur="1" fill="hold">
+                                          <p:stCondLst>
+                                            <p:cond delay="0"/>
+                                          </p:stCondLst>
+                                        </p:cTn>
+                                        <p:tgtEl>
+                                          <p:spTgt spid="3">
+                                            <p:txEl>
+                                              <p:pRg st="2" end="2"/>
+                                            </p:txEl>
+                                          </p:spTgt>
+                                        </p:tgtEl>
+                                        <p:attrNameLst>
+                                          <p:attrName>style.visibility</p:attrName>
+                                        </p:attrNameLst>
+                                      </p:cBhvr>
+                                      <p:to>
+                                        <p:strVal val="visible"/>
+                                      </p:to>
+                                    </p:set>
+                                    <p:animEffect transition="in" filter="fade">
+                                      <p:cBhvr>
+                                        <p:cTn id="17" dur="500"/>
+                                        <p:tgtEl>
+                                          <p:spTgt spid="3">
+                                            <p:txEl>
+                                              <p:pRg st="2" end="2"/>
+                                            </p:txEl>
+                                          </p:spTgt>
+                                        </p:tgtEl>
+                                      </p:cBhvr>
+                                    </p:animEffect>
+                                  </p:childTnLst>
+                                </p:cTn>
+                              </p:par>
+                            </p:childTnLst>
+                          </p:cTn>
+                        </p:par>
+                      </p:childTnLst>
+                    </p:cTn>
+                  </p:par>
+                  <p:par>
+                    <p:cTn id="18" fill="hold">
+                      <p:stCondLst>
+                        <p:cond delay="indefinite"/>
+                      </p:stCondLst>
+                      <p:childTnLst>
+                        <p:par>
+                          <p:cTn id="19" fill="hold">
+                            <p:stCondLst>
+                              <p:cond delay="0"/>
+                            </p:stCondLst>
+                            <p:childTnLst>
+                              <p:par>
+                                <p:cTn id="20" presetID="10" presetClass="entr" presetSubtype="0" fill="hold" nodeType="clickEffect">
+                                  <p:stCondLst>
+                                    <p:cond delay="0"/>
+                                  </p:stCondLst>
+                                  <p:childTnLst>
+                                    <p:set>
+                                      <p:cBhvr>
+                                        <p:cTn id="21" dur="1" fill="hold">
+                                          <p:stCondLst>
+                                            <p:cond delay="0"/>
+                                          </p:stCondLst>
+                                        </p:cTn>
+                                        <p:tgtEl>
+                                          <p:spTgt spid="3">
+                                            <p:txEl>
+                                              <p:pRg st="4" end="4"/>
+                                            </p:txEl>
+                                          </p:spTgt>
+                                        </p:tgtEl>
+                                        <p:attrNameLst>
+                                          <p:attrName>style.visibility</p:attrName>
+                                        </p:attrNameLst>
+                                      </p:cBhvr>
+                                      <p:to>
+                                        <p:strVal val="visible"/>
+                                      </p:to>
+                                    </p:set>
+                                    <p:animEffect transition="in" filter="fade">
+                                      <p:cBhvr>
+                                        <p:cTn id="22" dur="500"/>
+                                        <p:tgtEl>
+                                          <p:spTgt spid="3">
+                                            <p:txEl>
+                                              <p:pRg st="4" end="4"/>
+                                            </p:txEl>
+                                          </p:spTgt>
+                                        </p:tgtEl>
+                                      </p:cBhvr>
+                                    </p:animEffect>
+                                  </p:childTnLst>
+                                </p:cTn>
+                              </p:par>
+                            </p:childTnLst>
+                          </p:cTn>
+                        </p:par>
+                      </p:childTnLst>
+                    </p:cTn>
+                  </p:par>
+                  <p:par>
+                    <p:cTn id="23" fill="hold">
+                      <p:stCondLst>
+                        <p:cond delay="indefinite"/>
+                      </p:stCondLst>
+                      <p:childTnLst>
+                        <p:par>
+                          <p:cTn id="24" fill="hold">
+                            <p:stCondLst>
+                              <p:cond delay="0"/>
+                            </p:stCondLst>
+                            <p:childTnLst>
+                              <p:par>
+                                <p:cTn id="25" presetID="10" presetClass="entr" presetSubtype="0" fill="hold" nodeType="clickEffect">
+                                  <p:stCondLst>
+                                    <p:cond delay="0"/>
+                                  </p:stCondLst>
+                                  <p:childTnLst>
+                                    <p:set>
+                                      <p:cBhvr>
+                                        <p:cTn id="26" dur="1" fill="hold">
+                                          <p:stCondLst>
+                                            <p:cond delay="0"/>
+                                          </p:stCondLst>
+                                        </p:cTn>
+                                        <p:tgtEl>
+                                          <p:spTgt spid="3">
+                                            <p:txEl>
+                                              <p:pRg st="5" end="5"/>
+                                            </p:txEl>
+                                          </p:spTgt>
+                                        </p:tgtEl>
+                                        <p:attrNameLst>
+                                          <p:attrName>style.visibility</p:attrName>
+                                        </p:attrNameLst>
+                                      </p:cBhvr>
+                                      <p:to>
+                                        <p:strVal val="visible"/>
+                                      </p:to>
+                                    </p:set>
+                                    <p:animEffect transition="in" filter="fade">
+                                      <p:cBhvr>
+                                        <p:cTn id="27" dur="500"/>
+                                        <p:tgtEl>
+                                          <p:spTgt spid="3">
+                                            <p:txEl>
+                                              <p:pRg st="5" end="5"/>
+                                            </p:txEl>
+                                          </p:spTgt>
+                                        </p:tgtEl>
+                                      </p:cBhvr>
+                                    </p:animEffect>
+                                  </p:childTnLst>
+                                </p:cTn>
+                              </p:par>
+                            </p:childTnLst>
+                          </p:cTn>
+                        </p:par>
+                      </p:childTnLst>
+                    </p:cTn>
+                  </p:par>
+                  <p:par>
+                    <p:cTn id="28" fill="hold">
+                      <p:stCondLst>
+                        <p:cond delay="indefinite"/>
+                      </p:stCondLst>
+                      <p:childTnLst>
+                        <p:par>
+                          <p:cTn id="29" fill="hold">
+                            <p:stCondLst>
+                              <p:cond delay="0"/>
+                            </p:stCondLst>
+                            <p:childTnLst>
+                              <p:par>
+                                <p:cTn id="30" presetID="10" presetClass="entr" presetSubtype="0" fill="hold" nodeType="clickEffect">
+                                  <p:stCondLst>
+                                    <p:cond delay="0"/>
+                                  </p:stCondLst>
+                                  <p:childTnLst>
+                                    <p:set>
+                                      <p:cBhvr>
+                                        <p:cTn id="31" dur="1" fill="hold">
+                                          <p:stCondLst>
+                                            <p:cond delay="0"/>
+                                          </p:stCondLst>
+                                        </p:cTn>
+                                        <p:tgtEl>
+                                          <p:spTgt spid="3">
+                                            <p:txEl>
+                                              <p:pRg st="6" end="6"/>
+                                            </p:txEl>
+                                          </p:spTgt>
+                                        </p:tgtEl>
+                                        <p:attrNameLst>
+                                          <p:attrName>style.visibility</p:attrName>
+                                        </p:attrNameLst>
+                                      </p:cBhvr>
+                                      <p:to>
+                                        <p:strVal val="visible"/>
+                                      </p:to>
+                                    </p:set>
+                                    <p:animEffect transition="in" filter="fade">
+                                      <p:cBhvr>
+                                        <p:cTn id="32" dur="500"/>
+                                        <p:tgtEl>
+                                          <p:spTgt spid="3">
+                                            <p:txEl>
+                                              <p:pRg st="6" end="6"/>
+                                            </p:txEl>
+                                          </p:spTgt>
+                                        </p:tgtEl>
+                                      </p:cBhvr>
+                                    </p:animEffect>
+                                  </p:childTnLst>
+                                </p:cTn>
+                              </p:par>
+                            </p:childTnLst>
+                          </p:cTn>
+                        </p:par>
+                      </p:childTnLst>
+                    </p:cTn>
+                  </p:par>
+                </p:childTnLst>
+              </p:cTn>
+              <p:prevCondLst>
+                <p:cond evt="onPrev" delay="0">
+                  <p:tgtEl>
+                    <p:sldTgt/>
+                  </p:tgtEl>
+                </p:cond>
+              </p:prevCondLst>
+              <p:nextCondLst>
+                <p:cond evt="onNext" delay="0">
+                  <p:tgtEl>
+                    <p:sldTgt/>
+                  </p:tgtEl>
+                </p:cond>
+              </p:nextCondLst>
+            </p:seq>
+          </p:childTnLst>
+        </p:cTn>
+      </p:par>
+    </p:tnLst>
+  </p:timing>
 </p:sld>
 </file>
 
@@ -19469,52 +23462,6 @@
           </a:p>
         </p:txBody>
       </p:sp>
-      <p:pic>
-        <p:nvPicPr>
-          <p:cNvPr id="4" name="Graphic 3" descr="Speech icon">
-            <a:extLst>
-              <a:ext uri="{FF2B5EF4-FFF2-40B4-BE49-F238E27FC236}">
-                <a16:creationId xmlns:a16="http://schemas.microsoft.com/office/drawing/2014/main" id="{475009F3-F585-BA45-A864-378F7513E5C5}"/>
-              </a:ext>
-            </a:extLst>
-          </p:cNvPr>
-          <p:cNvPicPr>
-            <a:picLocks noChangeAspect="1"/>
-          </p:cNvPicPr>
-          <p:nvPr/>
-        </p:nvPicPr>
-        <p:blipFill>
-          <a:blip r:embed="rId3">
-            <a:extLst>
-              <a:ext uri="{28A0092B-C50C-407E-A947-70E740481C1C}">
-                <a14:useLocalDpi xmlns:a14="http://schemas.microsoft.com/office/drawing/2010/main" val="0"/>
-              </a:ext>
-              <a:ext uri="{96DAC541-7B7A-43D3-8B79-37D633B846F1}">
-                <asvg:svgBlip xmlns:asvg="http://schemas.microsoft.com/office/drawing/2016/SVG/main" r:embed="rId4"/>
-              </a:ext>
-            </a:extLst>
-          </a:blip>
-          <a:stretch>
-            <a:fillRect/>
-          </a:stretch>
-        </p:blipFill>
-        <p:spPr>
-          <a:xfrm>
-            <a:off x="8518775" y="4852416"/>
-            <a:ext cx="3403986" cy="2005584"/>
-          </a:xfrm>
-          <a:prstGeom prst="rect">
-            <a:avLst/>
-          </a:prstGeom>
-          <a:effectLst>
-            <a:outerShdw blurRad="76200" dir="18900000" sy="23000" kx="-1200000" algn="bl" rotWithShape="0">
-              <a:prstClr val="black">
-                <a:alpha val="20000"/>
-              </a:prstClr>
-            </a:outerShdw>
-          </a:effectLst>
-        </p:spPr>
-      </p:pic>
       <p:sp>
         <p:nvSpPr>
           <p:cNvPr id="3" name="Content Placeholder 2"/>
@@ -19604,6 +23551,341 @@
       <p:transition/>
     </mc:Fallback>
   </mc:AlternateContent>
+  <p:timing>
+    <p:tnLst>
+      <p:par>
+        <p:cTn id="1" dur="indefinite" restart="never" nodeType="tmRoot">
+          <p:childTnLst>
+            <p:seq concurrent="1" nextAc="seek">
+              <p:cTn id="2" dur="indefinite" nodeType="mainSeq">
+                <p:childTnLst>
+                  <p:par>
+                    <p:cTn id="3" fill="hold">
+                      <p:stCondLst>
+                        <p:cond delay="indefinite"/>
+                      </p:stCondLst>
+                      <p:childTnLst>
+                        <p:par>
+                          <p:cTn id="4" fill="hold">
+                            <p:stCondLst>
+                              <p:cond delay="0"/>
+                            </p:stCondLst>
+                            <p:childTnLst>
+                              <p:par>
+                                <p:cTn id="5" presetID="10" presetClass="entr" presetSubtype="0" fill="hold" nodeType="clickEffect">
+                                  <p:stCondLst>
+                                    <p:cond delay="0"/>
+                                  </p:stCondLst>
+                                  <p:childTnLst>
+                                    <p:set>
+                                      <p:cBhvr>
+                                        <p:cTn id="6" dur="1" fill="hold">
+                                          <p:stCondLst>
+                                            <p:cond delay="0"/>
+                                          </p:stCondLst>
+                                        </p:cTn>
+                                        <p:tgtEl>
+                                          <p:spTgt spid="3">
+                                            <p:txEl>
+                                              <p:pRg st="2" end="2"/>
+                                            </p:txEl>
+                                          </p:spTgt>
+                                        </p:tgtEl>
+                                        <p:attrNameLst>
+                                          <p:attrName>style.visibility</p:attrName>
+                                        </p:attrNameLst>
+                                      </p:cBhvr>
+                                      <p:to>
+                                        <p:strVal val="visible"/>
+                                      </p:to>
+                                    </p:set>
+                                    <p:animEffect transition="in" filter="fade">
+                                      <p:cBhvr>
+                                        <p:cTn id="7" dur="500"/>
+                                        <p:tgtEl>
+                                          <p:spTgt spid="3">
+                                            <p:txEl>
+                                              <p:pRg st="2" end="2"/>
+                                            </p:txEl>
+                                          </p:spTgt>
+                                        </p:tgtEl>
+                                      </p:cBhvr>
+                                    </p:animEffect>
+                                  </p:childTnLst>
+                                </p:cTn>
+                              </p:par>
+                            </p:childTnLst>
+                          </p:cTn>
+                        </p:par>
+                      </p:childTnLst>
+                    </p:cTn>
+                  </p:par>
+                  <p:par>
+                    <p:cTn id="8" fill="hold">
+                      <p:stCondLst>
+                        <p:cond delay="indefinite"/>
+                      </p:stCondLst>
+                      <p:childTnLst>
+                        <p:par>
+                          <p:cTn id="9" fill="hold">
+                            <p:stCondLst>
+                              <p:cond delay="0"/>
+                            </p:stCondLst>
+                            <p:childTnLst>
+                              <p:par>
+                                <p:cTn id="10" presetID="10" presetClass="entr" presetSubtype="0" fill="hold" nodeType="clickEffect">
+                                  <p:stCondLst>
+                                    <p:cond delay="0"/>
+                                  </p:stCondLst>
+                                  <p:childTnLst>
+                                    <p:set>
+                                      <p:cBhvr>
+                                        <p:cTn id="11" dur="1" fill="hold">
+                                          <p:stCondLst>
+                                            <p:cond delay="0"/>
+                                          </p:stCondLst>
+                                        </p:cTn>
+                                        <p:tgtEl>
+                                          <p:spTgt spid="3">
+                                            <p:txEl>
+                                              <p:pRg st="3" end="3"/>
+                                            </p:txEl>
+                                          </p:spTgt>
+                                        </p:tgtEl>
+                                        <p:attrNameLst>
+                                          <p:attrName>style.visibility</p:attrName>
+                                        </p:attrNameLst>
+                                      </p:cBhvr>
+                                      <p:to>
+                                        <p:strVal val="visible"/>
+                                      </p:to>
+                                    </p:set>
+                                    <p:animEffect transition="in" filter="fade">
+                                      <p:cBhvr>
+                                        <p:cTn id="12" dur="500"/>
+                                        <p:tgtEl>
+                                          <p:spTgt spid="3">
+                                            <p:txEl>
+                                              <p:pRg st="3" end="3"/>
+                                            </p:txEl>
+                                          </p:spTgt>
+                                        </p:tgtEl>
+                                      </p:cBhvr>
+                                    </p:animEffect>
+                                  </p:childTnLst>
+                                </p:cTn>
+                              </p:par>
+                            </p:childTnLst>
+                          </p:cTn>
+                        </p:par>
+                      </p:childTnLst>
+                    </p:cTn>
+                  </p:par>
+                  <p:par>
+                    <p:cTn id="13" fill="hold">
+                      <p:stCondLst>
+                        <p:cond delay="indefinite"/>
+                      </p:stCondLst>
+                      <p:childTnLst>
+                        <p:par>
+                          <p:cTn id="14" fill="hold">
+                            <p:stCondLst>
+                              <p:cond delay="0"/>
+                            </p:stCondLst>
+                            <p:childTnLst>
+                              <p:par>
+                                <p:cTn id="15" presetID="10" presetClass="entr" presetSubtype="0" fill="hold" nodeType="clickEffect">
+                                  <p:stCondLst>
+                                    <p:cond delay="0"/>
+                                  </p:stCondLst>
+                                  <p:childTnLst>
+                                    <p:set>
+                                      <p:cBhvr>
+                                        <p:cTn id="16" dur="1" fill="hold">
+                                          <p:stCondLst>
+                                            <p:cond delay="0"/>
+                                          </p:stCondLst>
+                                        </p:cTn>
+                                        <p:tgtEl>
+                                          <p:spTgt spid="3">
+                                            <p:txEl>
+                                              <p:pRg st="4" end="4"/>
+                                            </p:txEl>
+                                          </p:spTgt>
+                                        </p:tgtEl>
+                                        <p:attrNameLst>
+                                          <p:attrName>style.visibility</p:attrName>
+                                        </p:attrNameLst>
+                                      </p:cBhvr>
+                                      <p:to>
+                                        <p:strVal val="visible"/>
+                                      </p:to>
+                                    </p:set>
+                                    <p:animEffect transition="in" filter="fade">
+                                      <p:cBhvr>
+                                        <p:cTn id="17" dur="500"/>
+                                        <p:tgtEl>
+                                          <p:spTgt spid="3">
+                                            <p:txEl>
+                                              <p:pRg st="4" end="4"/>
+                                            </p:txEl>
+                                          </p:spTgt>
+                                        </p:tgtEl>
+                                      </p:cBhvr>
+                                    </p:animEffect>
+                                  </p:childTnLst>
+                                </p:cTn>
+                              </p:par>
+                            </p:childTnLst>
+                          </p:cTn>
+                        </p:par>
+                      </p:childTnLst>
+                    </p:cTn>
+                  </p:par>
+                  <p:par>
+                    <p:cTn id="18" fill="hold">
+                      <p:stCondLst>
+                        <p:cond delay="indefinite"/>
+                      </p:stCondLst>
+                      <p:childTnLst>
+                        <p:par>
+                          <p:cTn id="19" fill="hold">
+                            <p:stCondLst>
+                              <p:cond delay="0"/>
+                            </p:stCondLst>
+                            <p:childTnLst>
+                              <p:par>
+                                <p:cTn id="20" presetID="10" presetClass="entr" presetSubtype="0" fill="hold" nodeType="clickEffect">
+                                  <p:stCondLst>
+                                    <p:cond delay="0"/>
+                                  </p:stCondLst>
+                                  <p:childTnLst>
+                                    <p:set>
+                                      <p:cBhvr>
+                                        <p:cTn id="21" dur="1" fill="hold">
+                                          <p:stCondLst>
+                                            <p:cond delay="0"/>
+                                          </p:stCondLst>
+                                        </p:cTn>
+                                        <p:tgtEl>
+                                          <p:spTgt spid="3">
+                                            <p:txEl>
+                                              <p:pRg st="5" end="5"/>
+                                            </p:txEl>
+                                          </p:spTgt>
+                                        </p:tgtEl>
+                                        <p:attrNameLst>
+                                          <p:attrName>style.visibility</p:attrName>
+                                        </p:attrNameLst>
+                                      </p:cBhvr>
+                                      <p:to>
+                                        <p:strVal val="visible"/>
+                                      </p:to>
+                                    </p:set>
+                                    <p:animEffect transition="in" filter="fade">
+                                      <p:cBhvr>
+                                        <p:cTn id="22" dur="500"/>
+                                        <p:tgtEl>
+                                          <p:spTgt spid="3">
+                                            <p:txEl>
+                                              <p:pRg st="5" end="5"/>
+                                            </p:txEl>
+                                          </p:spTgt>
+                                        </p:tgtEl>
+                                      </p:cBhvr>
+                                    </p:animEffect>
+                                  </p:childTnLst>
+                                </p:cTn>
+                              </p:par>
+                            </p:childTnLst>
+                          </p:cTn>
+                        </p:par>
+                      </p:childTnLst>
+                    </p:cTn>
+                  </p:par>
+                  <p:par>
+                    <p:cTn id="23" fill="hold">
+                      <p:stCondLst>
+                        <p:cond delay="indefinite"/>
+                      </p:stCondLst>
+                      <p:childTnLst>
+                        <p:par>
+                          <p:cTn id="24" fill="hold">
+                            <p:stCondLst>
+                              <p:cond delay="0"/>
+                            </p:stCondLst>
+                            <p:childTnLst>
+                              <p:par>
+                                <p:cTn id="25" presetID="10" presetClass="entr" presetSubtype="0" fill="hold" nodeType="clickEffect">
+                                  <p:stCondLst>
+                                    <p:cond delay="0"/>
+                                  </p:stCondLst>
+                                  <p:childTnLst>
+                                    <p:set>
+                                      <p:cBhvr>
+                                        <p:cTn id="26" dur="1" fill="hold">
+                                          <p:stCondLst>
+                                            <p:cond delay="0"/>
+                                          </p:stCondLst>
+                                        </p:cTn>
+                                        <p:tgtEl>
+                                          <p:spTgt spid="3">
+                                            <p:txEl>
+                                              <p:pRg st="6" end="6"/>
+                                            </p:txEl>
+                                          </p:spTgt>
+                                        </p:tgtEl>
+                                        <p:attrNameLst>
+                                          <p:attrName>style.visibility</p:attrName>
+                                        </p:attrNameLst>
+                                      </p:cBhvr>
+                                      <p:to>
+                                        <p:strVal val="visible"/>
+                                      </p:to>
+                                    </p:set>
+                                    <p:animEffect transition="in" filter="fade">
+                                      <p:cBhvr>
+                                        <p:cTn id="27" dur="500"/>
+                                        <p:tgtEl>
+                                          <p:spTgt spid="3">
+                                            <p:txEl>
+                                              <p:pRg st="6" end="6"/>
+                                            </p:txEl>
+                                          </p:spTgt>
+                                        </p:tgtEl>
+                                      </p:cBhvr>
+                                    </p:animEffect>
+                                  </p:childTnLst>
+                                </p:cTn>
+                              </p:par>
+                            </p:childTnLst>
+                          </p:cTn>
+                        </p:par>
+                      </p:childTnLst>
+                    </p:cTn>
+                  </p:par>
+                </p:childTnLst>
+              </p:cTn>
+              <p:prevCondLst>
+                <p:cond evt="onPrev" delay="0">
+                  <p:tgtEl>
+                    <p:sldTgt/>
+                  </p:tgtEl>
+                </p:cond>
+              </p:prevCondLst>
+              <p:nextCondLst>
+                <p:cond evt="onNext" delay="0">
+                  <p:tgtEl>
+                    <p:sldTgt/>
+                  </p:tgtEl>
+                </p:cond>
+              </p:nextCondLst>
+            </p:seq>
+          </p:childTnLst>
+        </p:cTn>
+      </p:par>
+    </p:tnLst>
+  </p:timing>
 </p:sld>
 </file>
 
@@ -20470,4 +24752,10 @@
     </a:ext>
   </a:extLst>
 </a:theme>
+</file>
+
+<file path=docMetadata/LabelInfo.xml><?xml version="1.0" encoding="utf-8"?>
+<clbl:labelList xmlns:clbl="http://schemas.microsoft.com/office/2020/mipLabelMetadata">
+  <clbl:label id="{f42aa342-8706-4288-bd11-ebb85995028c}" enabled="1" method="Privileged" siteId="{72f988bf-86f1-41af-91ab-2d7cd011db47}" removed="0"/>
+</clbl:labelList>
 </file>